--- a/lecture-slides/2019-08-26.pptx
+++ b/lecture-slides/2019-08-26.pptx
@@ -213,7 +213,7 @@
           <a:p>
             <a:fld id="{A677DEB0-5AA4-49C7-B0AD-AD047A002C4C}" type="datetimeFigureOut">
               <a:rPr lang="en-US" smtClean="0"/>
-              <a:t>8/19/19</a:t>
+              <a:t>8/20/19</a:t>
             </a:fld>
             <a:endParaRPr lang="en-US"/>
           </a:p>
@@ -2026,7 +2026,7 @@
           <a:p>
             <a:fld id="{1B52E0E1-344B-4E26-B5AD-CE86AB802485}" type="datetimeFigureOut">
               <a:rPr lang="en-US" smtClean="0"/>
-              <a:t>8/19/19</a:t>
+              <a:t>8/20/19</a:t>
             </a:fld>
             <a:endParaRPr lang="en-US"/>
           </a:p>
@@ -2224,7 +2224,7 @@
           <a:p>
             <a:fld id="{1B52E0E1-344B-4E26-B5AD-CE86AB802485}" type="datetimeFigureOut">
               <a:rPr lang="en-US" smtClean="0"/>
-              <a:t>8/19/19</a:t>
+              <a:t>8/20/19</a:t>
             </a:fld>
             <a:endParaRPr lang="en-US"/>
           </a:p>
@@ -2432,7 +2432,7 @@
           <a:p>
             <a:fld id="{1B52E0E1-344B-4E26-B5AD-CE86AB802485}" type="datetimeFigureOut">
               <a:rPr lang="en-US" smtClean="0"/>
-              <a:t>8/19/19</a:t>
+              <a:t>8/20/19</a:t>
             </a:fld>
             <a:endParaRPr lang="en-US"/>
           </a:p>
@@ -2630,7 +2630,7 @@
           <a:p>
             <a:fld id="{1B52E0E1-344B-4E26-B5AD-CE86AB802485}" type="datetimeFigureOut">
               <a:rPr lang="en-US" smtClean="0"/>
-              <a:t>8/19/19</a:t>
+              <a:t>8/20/19</a:t>
             </a:fld>
             <a:endParaRPr lang="en-US"/>
           </a:p>
@@ -2905,7 +2905,7 @@
           <a:p>
             <a:fld id="{1B52E0E1-344B-4E26-B5AD-CE86AB802485}" type="datetimeFigureOut">
               <a:rPr lang="en-US" smtClean="0"/>
-              <a:t>8/19/19</a:t>
+              <a:t>8/20/19</a:t>
             </a:fld>
             <a:endParaRPr lang="en-US"/>
           </a:p>
@@ -3170,7 +3170,7 @@
           <a:p>
             <a:fld id="{1B52E0E1-344B-4E26-B5AD-CE86AB802485}" type="datetimeFigureOut">
               <a:rPr lang="en-US" smtClean="0"/>
-              <a:t>8/19/19</a:t>
+              <a:t>8/20/19</a:t>
             </a:fld>
             <a:endParaRPr lang="en-US"/>
           </a:p>
@@ -3582,7 +3582,7 @@
           <a:p>
             <a:fld id="{1B52E0E1-344B-4E26-B5AD-CE86AB802485}" type="datetimeFigureOut">
               <a:rPr lang="en-US" smtClean="0"/>
-              <a:t>8/19/19</a:t>
+              <a:t>8/20/19</a:t>
             </a:fld>
             <a:endParaRPr lang="en-US"/>
           </a:p>
@@ -3723,7 +3723,7 @@
           <a:p>
             <a:fld id="{1B52E0E1-344B-4E26-B5AD-CE86AB802485}" type="datetimeFigureOut">
               <a:rPr lang="en-US" smtClean="0"/>
-              <a:t>8/19/19</a:t>
+              <a:t>8/20/19</a:t>
             </a:fld>
             <a:endParaRPr lang="en-US"/>
           </a:p>
@@ -3836,7 +3836,7 @@
           <a:p>
             <a:fld id="{1B52E0E1-344B-4E26-B5AD-CE86AB802485}" type="datetimeFigureOut">
               <a:rPr lang="en-US" smtClean="0"/>
-              <a:t>8/19/19</a:t>
+              <a:t>8/20/19</a:t>
             </a:fld>
             <a:endParaRPr lang="en-US"/>
           </a:p>
@@ -4147,7 +4147,7 @@
           <a:p>
             <a:fld id="{1B52E0E1-344B-4E26-B5AD-CE86AB802485}" type="datetimeFigureOut">
               <a:rPr lang="en-US" smtClean="0"/>
-              <a:t>8/19/19</a:t>
+              <a:t>8/20/19</a:t>
             </a:fld>
             <a:endParaRPr lang="en-US"/>
           </a:p>
@@ -4435,7 +4435,7 @@
           <a:p>
             <a:fld id="{1B52E0E1-344B-4E26-B5AD-CE86AB802485}" type="datetimeFigureOut">
               <a:rPr lang="en-US" smtClean="0"/>
-              <a:t>8/19/19</a:t>
+              <a:t>8/20/19</a:t>
             </a:fld>
             <a:endParaRPr lang="en-US"/>
           </a:p>
@@ -4676,7 +4676,7 @@
           <a:p>
             <a:fld id="{1B52E0E1-344B-4E26-B5AD-CE86AB802485}" type="datetimeFigureOut">
               <a:rPr lang="en-US" smtClean="0"/>
-              <a:t>8/19/19</a:t>
+              <a:t>8/20/19</a:t>
             </a:fld>
             <a:endParaRPr lang="en-US"/>
           </a:p>
@@ -5386,14 +5386,14 @@
           <a:p>
             <a:r>
               <a:rPr lang="en-US" sz="4800" dirty="0"/>
-              <a:t>Week 1 / Sprint )</a:t>
+              <a:t>Weeks 1&amp;2 / Sprint 1</a:t>
             </a:r>
             <a:br>
               <a:rPr lang="en-US" sz="4800" dirty="0"/>
             </a:br>
             <a:r>
               <a:rPr lang="en-US" sz="4800" dirty="0"/>
-              <a:t>Activities &amp; Assignments</a:t>
+              <a:t>Activities List &amp; Assignments</a:t>
             </a:r>
           </a:p>
         </p:txBody>
@@ -5961,6 +5961,19 @@
             <a:r>
               <a:rPr lang="en-US" sz="2000" dirty="0"/>
               <a:t>Complete your Introductions and Name Cards</a:t>
+            </a:r>
+          </a:p>
+          <a:p>
+            <a:pPr marL="457200" indent="-457200" algn="l">
+              <a:spcBef>
+                <a:spcPts val="0"/>
+              </a:spcBef>
+              <a:buFont typeface="+mj-lt"/>
+              <a:buAutoNum type="arabicPeriod"/>
+            </a:pPr>
+            <a:r>
+              <a:rPr lang="en-US" sz="2000" dirty="0"/>
+              <a:t>Introduce yourself</a:t>
             </a:r>
           </a:p>
           <a:p>

--- a/lecture-slides/2019-08-26.pptx
+++ b/lecture-slides/2019-08-26.pptx
@@ -18,11 +18,11 @@
     <p:sldId id="262" r:id="rId9"/>
     <p:sldId id="264" r:id="rId10"/>
     <p:sldId id="311" r:id="rId11"/>
-    <p:sldId id="503" r:id="rId12"/>
-    <p:sldId id="313" r:id="rId13"/>
-    <p:sldId id="307" r:id="rId14"/>
-    <p:sldId id="315" r:id="rId15"/>
-    <p:sldId id="318" r:id="rId16"/>
+    <p:sldId id="505" r:id="rId12"/>
+    <p:sldId id="318" r:id="rId13"/>
+    <p:sldId id="313" r:id="rId14"/>
+    <p:sldId id="307" r:id="rId15"/>
+    <p:sldId id="315" r:id="rId16"/>
     <p:sldId id="271" r:id="rId17"/>
     <p:sldId id="504" r:id="rId18"/>
   </p:sldIdLst>
@@ -213,7 +213,7 @@
           <a:p>
             <a:fld id="{A677DEB0-5AA4-49C7-B0AD-AD047A002C4C}" type="datetimeFigureOut">
               <a:rPr lang="en-US" smtClean="0"/>
-              <a:t>8/20/19</a:t>
+              <a:t>8/25/19</a:t>
             </a:fld>
             <a:endParaRPr lang="en-US"/>
           </a:p>
@@ -638,7 +638,7 @@
     </p:spTree>
     <p:extLst>
       <p:ext uri="{BB962C8B-B14F-4D97-AF65-F5344CB8AC3E}">
-        <p14:creationId xmlns:p14="http://schemas.microsoft.com/office/powerpoint/2010/main" val="3791908270"/>
+        <p14:creationId xmlns:p14="http://schemas.microsoft.com/office/powerpoint/2010/main" val="355234438"/>
       </p:ext>
     </p:extLst>
   </p:cSld>
@@ -713,7 +713,7 @@
           <a:p>
             <a:fld id="{5394DE12-7B9B-46AA-AC19-C30A49928B9B}" type="slidenum">
               <a:rPr lang="en-US" smtClean="0"/>
-              <a:t>12</a:t>
+              <a:t>13</a:t>
             </a:fld>
             <a:endParaRPr lang="en-US" dirty="0"/>
           </a:p>
@@ -800,7 +800,7 @@
           <a:p>
             <a:fld id="{23B99BB9-C7F6-43B3-A122-46088ABB36FB}" type="slidenum">
               <a:rPr lang="en-US" smtClean="0"/>
-              <a:t>13</a:t>
+              <a:t>14</a:t>
             </a:fld>
             <a:endParaRPr lang="en-US"/>
           </a:p>
@@ -912,7 +912,7 @@
           <a:p>
             <a:fld id="{5394DE12-7B9B-46AA-AC19-C30A49928B9B}" type="slidenum">
               <a:rPr lang="en-US" smtClean="0"/>
-              <a:t>14</a:t>
+              <a:t>15</a:t>
             </a:fld>
             <a:endParaRPr lang="en-US" dirty="0"/>
           </a:p>
@@ -2026,7 +2026,7 @@
           <a:p>
             <a:fld id="{1B52E0E1-344B-4E26-B5AD-CE86AB802485}" type="datetimeFigureOut">
               <a:rPr lang="en-US" smtClean="0"/>
-              <a:t>8/20/19</a:t>
+              <a:t>8/25/19</a:t>
             </a:fld>
             <a:endParaRPr lang="en-US"/>
           </a:p>
@@ -2224,7 +2224,7 @@
           <a:p>
             <a:fld id="{1B52E0E1-344B-4E26-B5AD-CE86AB802485}" type="datetimeFigureOut">
               <a:rPr lang="en-US" smtClean="0"/>
-              <a:t>8/20/19</a:t>
+              <a:t>8/25/19</a:t>
             </a:fld>
             <a:endParaRPr lang="en-US"/>
           </a:p>
@@ -2432,7 +2432,7 @@
           <a:p>
             <a:fld id="{1B52E0E1-344B-4E26-B5AD-CE86AB802485}" type="datetimeFigureOut">
               <a:rPr lang="en-US" smtClean="0"/>
-              <a:t>8/20/19</a:t>
+              <a:t>8/25/19</a:t>
             </a:fld>
             <a:endParaRPr lang="en-US"/>
           </a:p>
@@ -2630,7 +2630,7 @@
           <a:p>
             <a:fld id="{1B52E0E1-344B-4E26-B5AD-CE86AB802485}" type="datetimeFigureOut">
               <a:rPr lang="en-US" smtClean="0"/>
-              <a:t>8/20/19</a:t>
+              <a:t>8/25/19</a:t>
             </a:fld>
             <a:endParaRPr lang="en-US"/>
           </a:p>
@@ -2905,7 +2905,7 @@
           <a:p>
             <a:fld id="{1B52E0E1-344B-4E26-B5AD-CE86AB802485}" type="datetimeFigureOut">
               <a:rPr lang="en-US" smtClean="0"/>
-              <a:t>8/20/19</a:t>
+              <a:t>8/25/19</a:t>
             </a:fld>
             <a:endParaRPr lang="en-US"/>
           </a:p>
@@ -3170,7 +3170,7 @@
           <a:p>
             <a:fld id="{1B52E0E1-344B-4E26-B5AD-CE86AB802485}" type="datetimeFigureOut">
               <a:rPr lang="en-US" smtClean="0"/>
-              <a:t>8/20/19</a:t>
+              <a:t>8/25/19</a:t>
             </a:fld>
             <a:endParaRPr lang="en-US"/>
           </a:p>
@@ -3582,7 +3582,7 @@
           <a:p>
             <a:fld id="{1B52E0E1-344B-4E26-B5AD-CE86AB802485}" type="datetimeFigureOut">
               <a:rPr lang="en-US" smtClean="0"/>
-              <a:t>8/20/19</a:t>
+              <a:t>8/25/19</a:t>
             </a:fld>
             <a:endParaRPr lang="en-US"/>
           </a:p>
@@ -3723,7 +3723,7 @@
           <a:p>
             <a:fld id="{1B52E0E1-344B-4E26-B5AD-CE86AB802485}" type="datetimeFigureOut">
               <a:rPr lang="en-US" smtClean="0"/>
-              <a:t>8/20/19</a:t>
+              <a:t>8/25/19</a:t>
             </a:fld>
             <a:endParaRPr lang="en-US"/>
           </a:p>
@@ -3836,7 +3836,7 @@
           <a:p>
             <a:fld id="{1B52E0E1-344B-4E26-B5AD-CE86AB802485}" type="datetimeFigureOut">
               <a:rPr lang="en-US" smtClean="0"/>
-              <a:t>8/20/19</a:t>
+              <a:t>8/25/19</a:t>
             </a:fld>
             <a:endParaRPr lang="en-US"/>
           </a:p>
@@ -4147,7 +4147,7 @@
           <a:p>
             <a:fld id="{1B52E0E1-344B-4E26-B5AD-CE86AB802485}" type="datetimeFigureOut">
               <a:rPr lang="en-US" smtClean="0"/>
-              <a:t>8/20/19</a:t>
+              <a:t>8/25/19</a:t>
             </a:fld>
             <a:endParaRPr lang="en-US"/>
           </a:p>
@@ -4435,7 +4435,7 @@
           <a:p>
             <a:fld id="{1B52E0E1-344B-4E26-B5AD-CE86AB802485}" type="datetimeFigureOut">
               <a:rPr lang="en-US" smtClean="0"/>
-              <a:t>8/20/19</a:t>
+              <a:t>8/25/19</a:t>
             </a:fld>
             <a:endParaRPr lang="en-US"/>
           </a:p>
@@ -4676,7 +4676,7 @@
           <a:p>
             <a:fld id="{1B52E0E1-344B-4E26-B5AD-CE86AB802485}" type="datetimeFigureOut">
               <a:rPr lang="en-US" smtClean="0"/>
-              <a:t>8/20/19</a:t>
+              <a:t>8/25/19</a:t>
             </a:fld>
             <a:endParaRPr lang="en-US"/>
           </a:p>
@@ -5510,7 +5510,15 @@
             </a:pPr>
             <a:r>
               <a:rPr lang="en-US" sz="2200" dirty="0"/>
-              <a:t>Agenda for Tuesday, January 15 from 2 to 3:15pm CST:</a:t>
+              <a:t>Agenda for Monday, August 26</a:t>
+            </a:r>
+            <a:r>
+              <a:rPr lang="en-US" sz="2200" baseline="30000" dirty="0"/>
+              <a:t>th</a:t>
+            </a:r>
+            <a:r>
+              <a:rPr lang="en-US" sz="2200" dirty="0"/>
+              <a:t> from 2 to 2:50pm CST:</a:t>
             </a:r>
           </a:p>
           <a:p>
@@ -5522,7 +5530,7 @@
               <a:rPr lang="en-US" sz="2200" dirty="0">
                 <a:solidFill>
                   <a:schemeClr val="bg1">
-                    <a:lumMod val="75000"/>
+                    <a:lumMod val="50000"/>
                   </a:schemeClr>
                 </a:solidFill>
               </a:rPr>
@@ -5538,7 +5546,7 @@
               <a:rPr lang="en-US" sz="2200" dirty="0">
                 <a:solidFill>
                   <a:schemeClr val="bg1">
-                    <a:lumMod val="75000"/>
+                    <a:lumMod val="50000"/>
                   </a:schemeClr>
                 </a:solidFill>
               </a:rPr>
@@ -5554,7 +5562,7 @@
               <a:rPr lang="en-US" sz="2200" dirty="0">
                 <a:solidFill>
                   <a:schemeClr val="bg1">
-                    <a:lumMod val="75000"/>
+                    <a:lumMod val="50000"/>
                   </a:schemeClr>
                 </a:solidFill>
               </a:rPr>
@@ -5570,7 +5578,7 @@
               <a:rPr lang="en-US" sz="2200" dirty="0">
                 <a:solidFill>
                   <a:schemeClr val="bg1">
-                    <a:lumMod val="75000"/>
+                    <a:lumMod val="50000"/>
                   </a:schemeClr>
                 </a:solidFill>
               </a:rPr>
@@ -5586,11 +5594,11 @@
               <a:rPr lang="en-US" sz="2200" dirty="0">
                 <a:solidFill>
                   <a:schemeClr val="bg1">
-                    <a:lumMod val="75000"/>
+                    <a:lumMod val="50000"/>
                   </a:schemeClr>
                 </a:solidFill>
               </a:rPr>
-              <a:t>Review Weeks 1&amp;2 (Sprint 1) Activities &amp; Assignments</a:t>
+              <a:t>Review Week 1 / Sprint 1 Activities &amp; Assignments</a:t>
             </a:r>
           </a:p>
           <a:p>
@@ -5692,7 +5700,7 @@
     </p:spTree>
     <p:extLst>
       <p:ext uri="{BB962C8B-B14F-4D97-AF65-F5344CB8AC3E}">
-        <p14:creationId xmlns:p14="http://schemas.microsoft.com/office/powerpoint/2010/main" val="1749922940"/>
+        <p14:creationId xmlns:p14="http://schemas.microsoft.com/office/powerpoint/2010/main" val="1341053493"/>
       </p:ext>
     </p:extLst>
   </p:cSld>
@@ -5721,18 +5729,52 @@
       </p:grpSpPr>
       <p:sp>
         <p:nvSpPr>
-          <p:cNvPr id="2" name="Title 1"/>
-          <p:cNvSpPr>
-            <a:spLocks noGrp="1"/>
-          </p:cNvSpPr>
-          <p:nvPr>
-            <p:ph type="ctrTitle"/>
+          <p:cNvPr id="2" name="Title 1">
+            <a:extLst>
+              <a:ext uri="{FF2B5EF4-FFF2-40B4-BE49-F238E27FC236}">
+                <a16:creationId xmlns:a16="http://schemas.microsoft.com/office/drawing/2014/main" id="{2A5755BE-860E-40EB-ADA6-6E82BCB49EC3}"/>
+              </a:ext>
+            </a:extLst>
+          </p:cNvPr>
+          <p:cNvSpPr>
+            <a:spLocks noGrp="1"/>
+          </p:cNvSpPr>
+          <p:nvPr>
+            <p:ph type="title"/>
+          </p:nvPr>
+        </p:nvSpPr>
+        <p:spPr/>
+        <p:txBody>
+          <a:bodyPr/>
+          <a:lstStyle/>
+          <a:p>
+            <a:r>
+              <a:rPr lang="en-US" dirty="0"/>
+              <a:t>Assignment for Next Class</a:t>
+            </a:r>
+          </a:p>
+        </p:txBody>
+      </p:sp>
+      <p:sp>
+        <p:nvSpPr>
+          <p:cNvPr id="3" name="Content Placeholder 2">
+            <a:extLst>
+              <a:ext uri="{FF2B5EF4-FFF2-40B4-BE49-F238E27FC236}">
+                <a16:creationId xmlns:a16="http://schemas.microsoft.com/office/drawing/2014/main" id="{72EF5DE0-5958-4171-A9E3-3D288A31AC3F}"/>
+              </a:ext>
+            </a:extLst>
+          </p:cNvPr>
+          <p:cNvSpPr>
+            <a:spLocks noGrp="1"/>
+          </p:cNvSpPr>
+          <p:nvPr>
+            <p:ph idx="1"/>
           </p:nvPr>
         </p:nvSpPr>
         <p:spPr>
           <a:xfrm>
-            <a:off x="1524000" y="1122365"/>
-            <a:ext cx="9144000" cy="1839044"/>
+            <a:off x="838200" y="1654444"/>
+            <a:ext cx="10515600" cy="4522519"/>
           </a:xfrm>
         </p:spPr>
         <p:txBody>
@@ -5741,273 +5783,62 @@
           </a:bodyPr>
           <a:lstStyle/>
           <a:p>
-            <a:r>
-              <a:rPr lang="en-US" sz="4800" dirty="0"/>
-              <a:t>Lab</a:t>
-            </a:r>
-          </a:p>
-        </p:txBody>
-      </p:sp>
-      <p:sp>
-        <p:nvSpPr>
-          <p:cNvPr id="3" name="Content Placeholder 2">
-            <a:extLst>
-              <a:ext uri="{FF2B5EF4-FFF2-40B4-BE49-F238E27FC236}">
-                <a16:creationId xmlns:a16="http://schemas.microsoft.com/office/drawing/2014/main" id="{384C868E-346E-4359-BF4F-AAEC6F6AA8BC}"/>
-              </a:ext>
-            </a:extLst>
-          </p:cNvPr>
-          <p:cNvSpPr txBox="1">
-            <a:spLocks/>
-          </p:cNvSpPr>
-          <p:nvPr/>
-        </p:nvSpPr>
-        <p:spPr>
-          <a:xfrm>
-            <a:off x="838199" y="3190008"/>
-            <a:ext cx="10515601" cy="3368107"/>
-          </a:xfrm>
-          <a:prstGeom prst="rect">
-            <a:avLst/>
-          </a:prstGeom>
-        </p:spPr>
-        <p:txBody>
-          <a:bodyPr vert="horz" lIns="91440" tIns="45720" rIns="91440" bIns="45720" rtlCol="0">
-            <a:noAutofit/>
-          </a:bodyPr>
-          <a:lstStyle>
-            <a:lvl1pPr marL="0" indent="0" algn="ctr" defTabSz="914400" rtl="0" eaLnBrk="1" latinLnBrk="0" hangingPunct="1">
-              <a:lnSpc>
-                <a:spcPct val="90000"/>
-              </a:lnSpc>
-              <a:spcBef>
-                <a:spcPts val="1000"/>
-              </a:spcBef>
-              <a:buFont typeface="Arial" panose="020B0604020202020204" pitchFamily="34" charset="0"/>
-              <a:buNone/>
-              <a:defRPr sz="2400" kern="1200">
-                <a:solidFill>
-                  <a:schemeClr val="tx1"/>
-                </a:solidFill>
-                <a:latin typeface="+mn-lt"/>
-                <a:ea typeface="+mn-ea"/>
-                <a:cs typeface="+mn-cs"/>
-              </a:defRPr>
-            </a:lvl1pPr>
-            <a:lvl2pPr marL="457200" indent="0" algn="ctr" defTabSz="914400" rtl="0" eaLnBrk="1" latinLnBrk="0" hangingPunct="1">
-              <a:lnSpc>
-                <a:spcPct val="90000"/>
-              </a:lnSpc>
-              <a:spcBef>
-                <a:spcPts val="500"/>
-              </a:spcBef>
-              <a:buFont typeface="Arial" panose="020B0604020202020204" pitchFamily="34" charset="0"/>
-              <a:buNone/>
-              <a:defRPr sz="2000" kern="1200">
-                <a:solidFill>
-                  <a:schemeClr val="tx1"/>
-                </a:solidFill>
-                <a:latin typeface="+mn-lt"/>
-                <a:ea typeface="+mn-ea"/>
-                <a:cs typeface="+mn-cs"/>
-              </a:defRPr>
-            </a:lvl2pPr>
-            <a:lvl3pPr marL="914400" indent="0" algn="ctr" defTabSz="914400" rtl="0" eaLnBrk="1" latinLnBrk="0" hangingPunct="1">
-              <a:lnSpc>
-                <a:spcPct val="90000"/>
-              </a:lnSpc>
-              <a:spcBef>
-                <a:spcPts val="500"/>
-              </a:spcBef>
-              <a:buFont typeface="Arial" panose="020B0604020202020204" pitchFamily="34" charset="0"/>
-              <a:buNone/>
-              <a:defRPr sz="1800" kern="1200">
-                <a:solidFill>
-                  <a:schemeClr val="tx1"/>
-                </a:solidFill>
-                <a:latin typeface="+mn-lt"/>
-                <a:ea typeface="+mn-ea"/>
-                <a:cs typeface="+mn-cs"/>
-              </a:defRPr>
-            </a:lvl3pPr>
-            <a:lvl4pPr marL="1371600" indent="0" algn="ctr" defTabSz="914400" rtl="0" eaLnBrk="1" latinLnBrk="0" hangingPunct="1">
-              <a:lnSpc>
-                <a:spcPct val="90000"/>
-              </a:lnSpc>
-              <a:spcBef>
-                <a:spcPts val="500"/>
-              </a:spcBef>
-              <a:buFont typeface="Arial" panose="020B0604020202020204" pitchFamily="34" charset="0"/>
-              <a:buNone/>
-              <a:defRPr sz="1600" kern="1200">
-                <a:solidFill>
-                  <a:schemeClr val="tx1"/>
-                </a:solidFill>
-                <a:latin typeface="+mn-lt"/>
-                <a:ea typeface="+mn-ea"/>
-                <a:cs typeface="+mn-cs"/>
-              </a:defRPr>
-            </a:lvl4pPr>
-            <a:lvl5pPr marL="1828800" indent="0" algn="ctr" defTabSz="914400" rtl="0" eaLnBrk="1" latinLnBrk="0" hangingPunct="1">
-              <a:lnSpc>
-                <a:spcPct val="90000"/>
-              </a:lnSpc>
-              <a:spcBef>
-                <a:spcPts val="500"/>
-              </a:spcBef>
-              <a:buFont typeface="Arial" panose="020B0604020202020204" pitchFamily="34" charset="0"/>
-              <a:buNone/>
-              <a:defRPr sz="1600" kern="1200">
-                <a:solidFill>
-                  <a:schemeClr val="tx1"/>
-                </a:solidFill>
-                <a:latin typeface="+mn-lt"/>
-                <a:ea typeface="+mn-ea"/>
-                <a:cs typeface="+mn-cs"/>
-              </a:defRPr>
-            </a:lvl5pPr>
-            <a:lvl6pPr marL="2286000" indent="0" algn="ctr" defTabSz="914400" rtl="0" eaLnBrk="1" latinLnBrk="0" hangingPunct="1">
-              <a:lnSpc>
-                <a:spcPct val="90000"/>
-              </a:lnSpc>
-              <a:spcBef>
-                <a:spcPts val="500"/>
-              </a:spcBef>
-              <a:buFont typeface="Arial" panose="020B0604020202020204" pitchFamily="34" charset="0"/>
-              <a:buNone/>
-              <a:defRPr sz="1600" kern="1200">
-                <a:solidFill>
-                  <a:schemeClr val="tx1"/>
-                </a:solidFill>
-                <a:latin typeface="+mn-lt"/>
-                <a:ea typeface="+mn-ea"/>
-                <a:cs typeface="+mn-cs"/>
-              </a:defRPr>
-            </a:lvl6pPr>
-            <a:lvl7pPr marL="2743200" indent="0" algn="ctr" defTabSz="914400" rtl="0" eaLnBrk="1" latinLnBrk="0" hangingPunct="1">
-              <a:lnSpc>
-                <a:spcPct val="90000"/>
-              </a:lnSpc>
-              <a:spcBef>
-                <a:spcPts val="500"/>
-              </a:spcBef>
-              <a:buFont typeface="Arial" panose="020B0604020202020204" pitchFamily="34" charset="0"/>
-              <a:buNone/>
-              <a:defRPr sz="1600" kern="1200">
-                <a:solidFill>
-                  <a:schemeClr val="tx1"/>
-                </a:solidFill>
-                <a:latin typeface="+mn-lt"/>
-                <a:ea typeface="+mn-ea"/>
-                <a:cs typeface="+mn-cs"/>
-              </a:defRPr>
-            </a:lvl7pPr>
-            <a:lvl8pPr marL="3200400" indent="0" algn="ctr" defTabSz="914400" rtl="0" eaLnBrk="1" latinLnBrk="0" hangingPunct="1">
-              <a:lnSpc>
-                <a:spcPct val="90000"/>
-              </a:lnSpc>
-              <a:spcBef>
-                <a:spcPts val="500"/>
-              </a:spcBef>
-              <a:buFont typeface="Arial" panose="020B0604020202020204" pitchFamily="34" charset="0"/>
-              <a:buNone/>
-              <a:defRPr sz="1600" kern="1200">
-                <a:solidFill>
-                  <a:schemeClr val="tx1"/>
-                </a:solidFill>
-                <a:latin typeface="+mn-lt"/>
-                <a:ea typeface="+mn-ea"/>
-                <a:cs typeface="+mn-cs"/>
-              </a:defRPr>
-            </a:lvl8pPr>
-            <a:lvl9pPr marL="3657600" indent="0" algn="ctr" defTabSz="914400" rtl="0" eaLnBrk="1" latinLnBrk="0" hangingPunct="1">
-              <a:lnSpc>
-                <a:spcPct val="90000"/>
-              </a:lnSpc>
-              <a:spcBef>
-                <a:spcPts val="500"/>
-              </a:spcBef>
-              <a:buFont typeface="Arial" panose="020B0604020202020204" pitchFamily="34" charset="0"/>
-              <a:buNone/>
-              <a:defRPr sz="1600" kern="1200">
-                <a:solidFill>
-                  <a:schemeClr val="tx1"/>
-                </a:solidFill>
-                <a:latin typeface="+mn-lt"/>
-                <a:ea typeface="+mn-ea"/>
-                <a:cs typeface="+mn-cs"/>
-              </a:defRPr>
-            </a:lvl9pPr>
-          </a:lstStyle>
-          <a:p>
-            <a:pPr algn="l">
-              <a:spcBef>
-                <a:spcPts val="0"/>
-              </a:spcBef>
-            </a:pPr>
-            <a:r>
-              <a:rPr lang="en-US" sz="2000" u="sng" dirty="0"/>
-              <a:t>Lab Activates:</a:t>
-            </a:r>
-          </a:p>
-          <a:p>
-            <a:pPr marL="457200" indent="-457200" algn="l">
-              <a:spcBef>
-                <a:spcPts val="0"/>
-              </a:spcBef>
-              <a:buFont typeface="+mj-lt"/>
-              <a:buAutoNum type="arabicPeriod"/>
-            </a:pPr>
-            <a:r>
-              <a:rPr lang="en-US" sz="2000" dirty="0"/>
-              <a:t>Complete your Introductions and Name Cards</a:t>
-            </a:r>
-          </a:p>
-          <a:p>
-            <a:pPr marL="457200" indent="-457200" algn="l">
-              <a:spcBef>
-                <a:spcPts val="0"/>
-              </a:spcBef>
-              <a:buFont typeface="+mj-lt"/>
-              <a:buAutoNum type="arabicPeriod"/>
-            </a:pPr>
-            <a:r>
-              <a:rPr lang="en-US" sz="2000" dirty="0"/>
-              <a:t>Introduce yourself</a:t>
-            </a:r>
-          </a:p>
-          <a:p>
-            <a:pPr marL="457200" indent="-457200" algn="l">
-              <a:spcBef>
-                <a:spcPts val="0"/>
-              </a:spcBef>
-              <a:buFont typeface="+mj-lt"/>
-              <a:buAutoNum type="arabicPeriod"/>
-            </a:pPr>
-            <a:r>
-              <a:rPr lang="en-US" sz="2000" dirty="0"/>
-              <a:t>Get the computer that you will be using for this class out</a:t>
-            </a:r>
-          </a:p>
-          <a:p>
-            <a:pPr marL="457200" indent="-457200" algn="l">
-              <a:spcBef>
-                <a:spcPts val="0"/>
-              </a:spcBef>
-              <a:buFont typeface="+mj-lt"/>
-              <a:buAutoNum type="arabicPeriod"/>
-            </a:pPr>
-            <a:r>
-              <a:rPr lang="en-US" sz="2000" dirty="0"/>
-              <a:t>Safari Books registration</a:t>
-            </a:r>
+            <a:pPr marL="0" indent="0">
+              <a:buNone/>
+            </a:pPr>
+            <a:r>
+              <a:rPr lang="en-US" dirty="0"/>
+              <a:t>Complete Activity List items 1 through 8 before our next class and be prepared to discuss them </a:t>
+            </a:r>
+          </a:p>
+          <a:p>
+            <a:pPr marL="0" indent="0">
+              <a:buNone/>
+            </a:pPr>
+            <a:r>
+              <a:rPr lang="en-US" dirty="0"/>
+              <a:t> </a:t>
+            </a:r>
+          </a:p>
+          <a:p>
+            <a:pPr marL="0" indent="0">
+              <a:buNone/>
+            </a:pPr>
+            <a:r>
+              <a:rPr lang="en-US" dirty="0"/>
+              <a:t>Be ready to form Scrum teams that each have a mix of skill sets during our next lab/lecture session</a:t>
+            </a:r>
+          </a:p>
+          <a:p>
+            <a:pPr marL="0" indent="0">
+              <a:buNone/>
+            </a:pPr>
+            <a:endParaRPr lang="en-US" dirty="0"/>
+          </a:p>
+          <a:p>
+            <a:pPr marL="0" indent="0">
+              <a:buNone/>
+            </a:pPr>
+            <a:r>
+              <a:rPr lang="en-US" b="1" dirty="0"/>
+              <a:t>Take your name tags with you and bring them back to class through the end of Sprint 2</a:t>
+            </a:r>
+          </a:p>
+          <a:p>
+            <a:pPr marL="0" indent="0">
+              <a:buNone/>
+            </a:pPr>
+            <a:endParaRPr lang="en-US" sz="1800" dirty="0"/>
+          </a:p>
+          <a:p>
+            <a:endParaRPr lang="en-US" dirty="0"/>
           </a:p>
         </p:txBody>
       </p:sp>
     </p:spTree>
     <p:extLst>
       <p:ext uri="{BB962C8B-B14F-4D97-AF65-F5344CB8AC3E}">
-        <p14:creationId xmlns:p14="http://schemas.microsoft.com/office/powerpoint/2010/main" val="3340901311"/>
+        <p14:creationId xmlns:p14="http://schemas.microsoft.com/office/powerpoint/2010/main" val="3934992363"/>
       </p:ext>
     </p:extLst>
   </p:cSld>
@@ -6036,24 +5867,18 @@
       </p:grpSpPr>
       <p:sp>
         <p:nvSpPr>
-          <p:cNvPr id="3" name="Title 1">
-            <a:extLst>
-              <a:ext uri="{FF2B5EF4-FFF2-40B4-BE49-F238E27FC236}">
-                <a16:creationId xmlns:a16="http://schemas.microsoft.com/office/drawing/2014/main" id="{258F05B8-454B-41D3-8214-93C6A8B89841}"/>
-              </a:ext>
-            </a:extLst>
-          </p:cNvPr>
-          <p:cNvSpPr>
-            <a:spLocks noGrp="1"/>
-          </p:cNvSpPr>
-          <p:nvPr>
-            <p:ph type="title"/>
+          <p:cNvPr id="2" name="Title 1"/>
+          <p:cNvSpPr>
+            <a:spLocks noGrp="1"/>
+          </p:cNvSpPr>
+          <p:nvPr>
+            <p:ph type="ctrTitle"/>
           </p:nvPr>
         </p:nvSpPr>
         <p:spPr>
           <a:xfrm>
-            <a:off x="838200" y="474626"/>
-            <a:ext cx="10515600" cy="757272"/>
+            <a:off x="1524000" y="1122365"/>
+            <a:ext cx="9144000" cy="1839044"/>
           </a:xfrm>
         </p:spPr>
         <p:txBody>
@@ -6063,361 +5888,272 @@
           <a:lstStyle/>
           <a:p>
             <a:r>
-              <a:rPr lang="en-US" sz="3600" dirty="0"/>
-              <a:t>Introductions – Name Cards plus Interesting Fact</a:t>
-            </a:r>
-            <a:endParaRPr lang="en-US" sz="3600" b="1" i="1" u="sng" dirty="0"/>
-          </a:p>
-        </p:txBody>
-      </p:sp>
-      <p:sp>
-        <p:nvSpPr>
-          <p:cNvPr id="2" name="Rectangle 1">
-            <a:extLst>
-              <a:ext uri="{FF2B5EF4-FFF2-40B4-BE49-F238E27FC236}">
-                <a16:creationId xmlns:a16="http://schemas.microsoft.com/office/drawing/2014/main" id="{0C326A31-5CBB-4F38-BF58-B6AFC533B019}"/>
-              </a:ext>
-            </a:extLst>
-          </p:cNvPr>
-          <p:cNvSpPr/>
+              <a:rPr lang="en-US" sz="4800" dirty="0"/>
+              <a:t>Lab</a:t>
+            </a:r>
+          </a:p>
+        </p:txBody>
+      </p:sp>
+      <p:sp>
+        <p:nvSpPr>
+          <p:cNvPr id="3" name="Content Placeholder 2">
+            <a:extLst>
+              <a:ext uri="{FF2B5EF4-FFF2-40B4-BE49-F238E27FC236}">
+                <a16:creationId xmlns:a16="http://schemas.microsoft.com/office/drawing/2014/main" id="{384C868E-346E-4359-BF4F-AAEC6F6AA8BC}"/>
+              </a:ext>
+            </a:extLst>
+          </p:cNvPr>
+          <p:cNvSpPr txBox="1">
+            <a:spLocks/>
+          </p:cNvSpPr>
           <p:nvPr/>
         </p:nvSpPr>
         <p:spPr>
           <a:xfrm>
-            <a:off x="1864929" y="1448636"/>
-            <a:ext cx="8462142" cy="4736810"/>
+            <a:off x="838199" y="3190008"/>
+            <a:ext cx="10515601" cy="3368107"/>
           </a:xfrm>
           <a:prstGeom prst="rect">
             <a:avLst/>
           </a:prstGeom>
         </p:spPr>
         <p:txBody>
-          <a:bodyPr wrap="square">
-            <a:spAutoFit/>
+          <a:bodyPr vert="horz" lIns="91440" tIns="45720" rIns="91440" bIns="45720" rtlCol="0">
+            <a:noAutofit/>
           </a:bodyPr>
-          <a:lstStyle/>
-          <a:p>
-            <a:pPr>
+          <a:lstStyle>
+            <a:lvl1pPr marL="0" indent="0" algn="ctr" defTabSz="914400" rtl="0" eaLnBrk="1" latinLnBrk="0" hangingPunct="1">
               <a:lnSpc>
-                <a:spcPct val="107000"/>
+                <a:spcPct val="90000"/>
               </a:lnSpc>
-              <a:spcAft>
-                <a:spcPts val="800"/>
-              </a:spcAft>
-            </a:pPr>
-            <a:r>
-              <a:rPr lang="en-US" sz="1600" dirty="0">
-                <a:latin typeface="Calibri" panose="020F0502020204030204" pitchFamily="34" charset="0"/>
-                <a:ea typeface="Calibri" panose="020F0502020204030204" pitchFamily="34" charset="0"/>
-                <a:cs typeface="Times New Roman" panose="02020603050405020304" pitchFamily="18" charset="0"/>
-              </a:rPr>
-              <a:t>Please fill out a name card…</a:t>
-            </a:r>
-          </a:p>
-          <a:p>
-            <a:pPr>
+              <a:spcBef>
+                <a:spcPts val="1000"/>
+              </a:spcBef>
+              <a:buFont typeface="Arial" panose="020B0604020202020204" pitchFamily="34" charset="0"/>
+              <a:buNone/>
+              <a:defRPr sz="2400" kern="1200">
+                <a:solidFill>
+                  <a:schemeClr val="tx1"/>
+                </a:solidFill>
+                <a:latin typeface="+mn-lt"/>
+                <a:ea typeface="+mn-ea"/>
+                <a:cs typeface="+mn-cs"/>
+              </a:defRPr>
+            </a:lvl1pPr>
+            <a:lvl2pPr marL="457200" indent="0" algn="ctr" defTabSz="914400" rtl="0" eaLnBrk="1" latinLnBrk="0" hangingPunct="1">
               <a:lnSpc>
-                <a:spcPct val="107000"/>
+                <a:spcPct val="90000"/>
               </a:lnSpc>
-              <a:spcAft>
-                <a:spcPts val="800"/>
-              </a:spcAft>
-            </a:pPr>
-            <a:r>
-              <a:rPr lang="en-US" sz="1600" dirty="0">
-                <a:latin typeface="Calibri" panose="020F0502020204030204" pitchFamily="34" charset="0"/>
-                <a:ea typeface="Calibri" panose="020F0502020204030204" pitchFamily="34" charset="0"/>
-                <a:cs typeface="Times New Roman" panose="02020603050405020304" pitchFamily="18" charset="0"/>
-              </a:rPr>
-              <a:t>Include:</a:t>
-            </a:r>
-          </a:p>
-          <a:p>
-            <a:pPr marL="342900" marR="0" lvl="0" indent="-342900">
+              <a:spcBef>
+                <a:spcPts val="500"/>
+              </a:spcBef>
+              <a:buFont typeface="Arial" panose="020B0604020202020204" pitchFamily="34" charset="0"/>
+              <a:buNone/>
+              <a:defRPr sz="2000" kern="1200">
+                <a:solidFill>
+                  <a:schemeClr val="tx1"/>
+                </a:solidFill>
+                <a:latin typeface="+mn-lt"/>
+                <a:ea typeface="+mn-ea"/>
+                <a:cs typeface="+mn-cs"/>
+              </a:defRPr>
+            </a:lvl2pPr>
+            <a:lvl3pPr marL="914400" indent="0" algn="ctr" defTabSz="914400" rtl="0" eaLnBrk="1" latinLnBrk="0" hangingPunct="1">
               <a:lnSpc>
-                <a:spcPct val="107000"/>
+                <a:spcPct val="90000"/>
               </a:lnSpc>
+              <a:spcBef>
+                <a:spcPts val="500"/>
+              </a:spcBef>
+              <a:buFont typeface="Arial" panose="020B0604020202020204" pitchFamily="34" charset="0"/>
+              <a:buNone/>
+              <a:defRPr sz="1800" kern="1200">
+                <a:solidFill>
+                  <a:schemeClr val="tx1"/>
+                </a:solidFill>
+                <a:latin typeface="+mn-lt"/>
+                <a:ea typeface="+mn-ea"/>
+                <a:cs typeface="+mn-cs"/>
+              </a:defRPr>
+            </a:lvl3pPr>
+            <a:lvl4pPr marL="1371600" indent="0" algn="ctr" defTabSz="914400" rtl="0" eaLnBrk="1" latinLnBrk="0" hangingPunct="1">
+              <a:lnSpc>
+                <a:spcPct val="90000"/>
+              </a:lnSpc>
+              <a:spcBef>
+                <a:spcPts val="500"/>
+              </a:spcBef>
+              <a:buFont typeface="Arial" panose="020B0604020202020204" pitchFamily="34" charset="0"/>
+              <a:buNone/>
+              <a:defRPr sz="1600" kern="1200">
+                <a:solidFill>
+                  <a:schemeClr val="tx1"/>
+                </a:solidFill>
+                <a:latin typeface="+mn-lt"/>
+                <a:ea typeface="+mn-ea"/>
+                <a:cs typeface="+mn-cs"/>
+              </a:defRPr>
+            </a:lvl4pPr>
+            <a:lvl5pPr marL="1828800" indent="0" algn="ctr" defTabSz="914400" rtl="0" eaLnBrk="1" latinLnBrk="0" hangingPunct="1">
+              <a:lnSpc>
+                <a:spcPct val="90000"/>
+              </a:lnSpc>
+              <a:spcBef>
+                <a:spcPts val="500"/>
+              </a:spcBef>
+              <a:buFont typeface="Arial" panose="020B0604020202020204" pitchFamily="34" charset="0"/>
+              <a:buNone/>
+              <a:defRPr sz="1600" kern="1200">
+                <a:solidFill>
+                  <a:schemeClr val="tx1"/>
+                </a:solidFill>
+                <a:latin typeface="+mn-lt"/>
+                <a:ea typeface="+mn-ea"/>
+                <a:cs typeface="+mn-cs"/>
+              </a:defRPr>
+            </a:lvl5pPr>
+            <a:lvl6pPr marL="2286000" indent="0" algn="ctr" defTabSz="914400" rtl="0" eaLnBrk="1" latinLnBrk="0" hangingPunct="1">
+              <a:lnSpc>
+                <a:spcPct val="90000"/>
+              </a:lnSpc>
+              <a:spcBef>
+                <a:spcPts val="500"/>
+              </a:spcBef>
+              <a:buFont typeface="Arial" panose="020B0604020202020204" pitchFamily="34" charset="0"/>
+              <a:buNone/>
+              <a:defRPr sz="1600" kern="1200">
+                <a:solidFill>
+                  <a:schemeClr val="tx1"/>
+                </a:solidFill>
+                <a:latin typeface="+mn-lt"/>
+                <a:ea typeface="+mn-ea"/>
+                <a:cs typeface="+mn-cs"/>
+              </a:defRPr>
+            </a:lvl6pPr>
+            <a:lvl7pPr marL="2743200" indent="0" algn="ctr" defTabSz="914400" rtl="0" eaLnBrk="1" latinLnBrk="0" hangingPunct="1">
+              <a:lnSpc>
+                <a:spcPct val="90000"/>
+              </a:lnSpc>
+              <a:spcBef>
+                <a:spcPts val="500"/>
+              </a:spcBef>
+              <a:buFont typeface="Arial" panose="020B0604020202020204" pitchFamily="34" charset="0"/>
+              <a:buNone/>
+              <a:defRPr sz="1600" kern="1200">
+                <a:solidFill>
+                  <a:schemeClr val="tx1"/>
+                </a:solidFill>
+                <a:latin typeface="+mn-lt"/>
+                <a:ea typeface="+mn-ea"/>
+                <a:cs typeface="+mn-cs"/>
+              </a:defRPr>
+            </a:lvl7pPr>
+            <a:lvl8pPr marL="3200400" indent="0" algn="ctr" defTabSz="914400" rtl="0" eaLnBrk="1" latinLnBrk="0" hangingPunct="1">
+              <a:lnSpc>
+                <a:spcPct val="90000"/>
+              </a:lnSpc>
+              <a:spcBef>
+                <a:spcPts val="500"/>
+              </a:spcBef>
+              <a:buFont typeface="Arial" panose="020B0604020202020204" pitchFamily="34" charset="0"/>
+              <a:buNone/>
+              <a:defRPr sz="1600" kern="1200">
+                <a:solidFill>
+                  <a:schemeClr val="tx1"/>
+                </a:solidFill>
+                <a:latin typeface="+mn-lt"/>
+                <a:ea typeface="+mn-ea"/>
+                <a:cs typeface="+mn-cs"/>
+              </a:defRPr>
+            </a:lvl8pPr>
+            <a:lvl9pPr marL="3657600" indent="0" algn="ctr" defTabSz="914400" rtl="0" eaLnBrk="1" latinLnBrk="0" hangingPunct="1">
+              <a:lnSpc>
+                <a:spcPct val="90000"/>
+              </a:lnSpc>
+              <a:spcBef>
+                <a:spcPts val="500"/>
+              </a:spcBef>
+              <a:buFont typeface="Arial" panose="020B0604020202020204" pitchFamily="34" charset="0"/>
+              <a:buNone/>
+              <a:defRPr sz="1600" kern="1200">
+                <a:solidFill>
+                  <a:schemeClr val="tx1"/>
+                </a:solidFill>
+                <a:latin typeface="+mn-lt"/>
+                <a:ea typeface="+mn-ea"/>
+                <a:cs typeface="+mn-cs"/>
+              </a:defRPr>
+            </a:lvl9pPr>
+          </a:lstStyle>
+          <a:p>
+            <a:pPr algn="l">
               <a:spcBef>
                 <a:spcPts val="0"/>
               </a:spcBef>
-              <a:spcAft>
-                <a:spcPts val="800"/>
-              </a:spcAft>
-              <a:buSzPts val="1000"/>
-              <a:buFont typeface="Symbol" panose="05050102010706020507" pitchFamily="18" charset="2"/>
-              <a:buChar char=""/>
-              <a:tabLst>
-                <a:tab pos="457200" algn="l"/>
-              </a:tabLst>
-            </a:pPr>
-            <a:r>
-              <a:rPr lang="en-US" sz="1600" dirty="0">
-                <a:latin typeface="Calibri" panose="020F0502020204030204" pitchFamily="34" charset="0"/>
-                <a:ea typeface="Calibri" panose="020F0502020204030204" pitchFamily="34" charset="0"/>
-                <a:cs typeface="Times New Roman" panose="02020603050405020304" pitchFamily="18" charset="0"/>
-              </a:rPr>
-              <a:t>Preferred Name followed by Last Name</a:t>
-            </a:r>
-          </a:p>
-          <a:p>
-            <a:pPr marL="342900" marR="0" lvl="0" indent="-342900">
-              <a:lnSpc>
-                <a:spcPct val="107000"/>
-              </a:lnSpc>
+            </a:pPr>
+            <a:r>
+              <a:rPr lang="en-US" sz="2000" u="sng" dirty="0"/>
+              <a:t>Lab Activates:</a:t>
+            </a:r>
+          </a:p>
+          <a:p>
+            <a:pPr marL="457200" indent="-457200" algn="l">
               <a:spcBef>
                 <a:spcPts val="0"/>
               </a:spcBef>
-              <a:spcAft>
-                <a:spcPts val="800"/>
-              </a:spcAft>
-              <a:buSzPts val="1000"/>
-              <a:buFont typeface="Symbol" panose="05050102010706020507" pitchFamily="18" charset="2"/>
-              <a:buChar char=""/>
-              <a:tabLst>
-                <a:tab pos="457200" algn="l"/>
-              </a:tabLst>
-            </a:pPr>
-            <a:r>
-              <a:rPr lang="en-US" sz="1600" dirty="0">
-                <a:latin typeface="Calibri" panose="020F0502020204030204" pitchFamily="34" charset="0"/>
-                <a:ea typeface="Calibri" panose="020F0502020204030204" pitchFamily="34" charset="0"/>
-                <a:cs typeface="Times New Roman" panose="02020603050405020304" pitchFamily="18" charset="0"/>
-              </a:rPr>
-              <a:t>A score of 0 to 5 in the upper right hand corner to describe your programming experience with:</a:t>
-            </a:r>
-          </a:p>
-          <a:p>
-            <a:pPr marL="800100" lvl="1" indent="-342900">
-              <a:lnSpc>
-                <a:spcPct val="107000"/>
-              </a:lnSpc>
-              <a:spcAft>
-                <a:spcPts val="800"/>
-              </a:spcAft>
-              <a:buSzPts val="1000"/>
-              <a:buFont typeface="Symbol" panose="05050102010706020507" pitchFamily="18" charset="2"/>
-              <a:buChar char=""/>
-              <a:tabLst>
-                <a:tab pos="457200" algn="l"/>
-              </a:tabLst>
-            </a:pPr>
-            <a:r>
-              <a:rPr lang="en-US" sz="1600" dirty="0">
-                <a:latin typeface="Calibri" panose="020F0502020204030204" pitchFamily="34" charset="0"/>
-                <a:ea typeface="Calibri" panose="020F0502020204030204" pitchFamily="34" charset="0"/>
-                <a:cs typeface="Times New Roman" panose="02020603050405020304" pitchFamily="18" charset="0"/>
-              </a:rPr>
-              <a:t>0 being “I’ve never seen a line of code”</a:t>
-            </a:r>
-          </a:p>
-          <a:p>
-            <a:pPr marL="800100" lvl="1" indent="-342900">
-              <a:lnSpc>
-                <a:spcPct val="107000"/>
-              </a:lnSpc>
-              <a:spcAft>
-                <a:spcPts val="800"/>
-              </a:spcAft>
-              <a:buSzPts val="1000"/>
-              <a:buFont typeface="Symbol" panose="05050102010706020507" pitchFamily="18" charset="2"/>
-              <a:buChar char=""/>
-              <a:tabLst>
-                <a:tab pos="457200" algn="l"/>
-              </a:tabLst>
-            </a:pPr>
-            <a:r>
-              <a:rPr lang="en-US" sz="1600" dirty="0">
-                <a:latin typeface="Calibri" panose="020F0502020204030204" pitchFamily="34" charset="0"/>
-                <a:ea typeface="Calibri" panose="020F0502020204030204" pitchFamily="34" charset="0"/>
-                <a:cs typeface="Times New Roman" panose="02020603050405020304" pitchFamily="18" charset="0"/>
-              </a:rPr>
-              <a:t>1 being “This is my first college level programming class”</a:t>
-            </a:r>
-          </a:p>
-          <a:p>
-            <a:pPr marL="800100" lvl="1" indent="-342900">
-              <a:lnSpc>
-                <a:spcPct val="107000"/>
-              </a:lnSpc>
-              <a:spcAft>
-                <a:spcPts val="800"/>
-              </a:spcAft>
-              <a:buSzPts val="1000"/>
-              <a:buFont typeface="Symbol" panose="05050102010706020507" pitchFamily="18" charset="2"/>
-              <a:buChar char=""/>
-              <a:tabLst>
-                <a:tab pos="457200" algn="l"/>
-              </a:tabLst>
-            </a:pPr>
-            <a:r>
-              <a:rPr lang="en-US" sz="1600" dirty="0">
-                <a:latin typeface="Calibri" panose="020F0502020204030204" pitchFamily="34" charset="0"/>
-                <a:ea typeface="Calibri" panose="020F0502020204030204" pitchFamily="34" charset="0"/>
-                <a:cs typeface="Times New Roman" panose="02020603050405020304" pitchFamily="18" charset="0"/>
-              </a:rPr>
-              <a:t>3 being “I’ve had a couple of programming classes”</a:t>
-            </a:r>
-          </a:p>
-          <a:p>
-            <a:pPr marL="800100" lvl="1" indent="-342900">
-              <a:lnSpc>
-                <a:spcPct val="107000"/>
-              </a:lnSpc>
-              <a:spcAft>
-                <a:spcPts val="800"/>
-              </a:spcAft>
-              <a:buSzPts val="1000"/>
-              <a:buFont typeface="Symbol" panose="05050102010706020507" pitchFamily="18" charset="2"/>
-              <a:buChar char=""/>
-              <a:tabLst>
-                <a:tab pos="457200" algn="l"/>
-              </a:tabLst>
-            </a:pPr>
-            <a:r>
-              <a:rPr lang="en-US" sz="1600" dirty="0">
-                <a:latin typeface="Calibri" panose="020F0502020204030204" pitchFamily="34" charset="0"/>
-                <a:ea typeface="Calibri" panose="020F0502020204030204" pitchFamily="34" charset="0"/>
-                <a:cs typeface="Times New Roman" panose="02020603050405020304" pitchFamily="18" charset="0"/>
-              </a:rPr>
-              <a:t>5 being “I’m ready to graduate and get and entry level programming job”</a:t>
-            </a:r>
-          </a:p>
-          <a:p>
-            <a:pPr marL="342900" marR="0" lvl="0" indent="-342900">
-              <a:lnSpc>
-                <a:spcPct val="107000"/>
-              </a:lnSpc>
+              <a:buFont typeface="+mj-lt"/>
+              <a:buAutoNum type="arabicPeriod"/>
+            </a:pPr>
+            <a:r>
+              <a:rPr lang="en-US" sz="2000" dirty="0"/>
+              <a:t>Complete Name cards and start DB1: Introductions </a:t>
+            </a:r>
+          </a:p>
+          <a:p>
+            <a:pPr marL="457200" indent="-457200" algn="l">
               <a:spcBef>
                 <a:spcPts val="0"/>
               </a:spcBef>
-              <a:spcAft>
-                <a:spcPts val="800"/>
-              </a:spcAft>
-              <a:buSzPts val="1000"/>
-              <a:buFont typeface="Symbol" panose="05050102010706020507" pitchFamily="18" charset="2"/>
-              <a:buChar char=""/>
-              <a:tabLst>
-                <a:tab pos="457200" algn="l"/>
-              </a:tabLst>
-            </a:pPr>
-            <a:r>
-              <a:rPr lang="en-US" sz="1600" dirty="0">
-                <a:latin typeface="Calibri" panose="020F0502020204030204" pitchFamily="34" charset="0"/>
-                <a:ea typeface="Calibri" panose="020F0502020204030204" pitchFamily="34" charset="0"/>
-                <a:cs typeface="Times New Roman" panose="02020603050405020304" pitchFamily="18" charset="0"/>
-              </a:rPr>
-              <a:t>Also place a “A” by the number if you are part of the aeronautical program </a:t>
-            </a:r>
-          </a:p>
-          <a:p>
-            <a:pPr marL="342900" marR="0" lvl="0" indent="-342900">
-              <a:lnSpc>
-                <a:spcPct val="107000"/>
-              </a:lnSpc>
+              <a:buFont typeface="+mj-lt"/>
+              <a:buAutoNum type="arabicPeriod"/>
+            </a:pPr>
+            <a:r>
+              <a:rPr lang="en-US" sz="2000" dirty="0"/>
+              <a:t>Introduce yourself</a:t>
+            </a:r>
+          </a:p>
+          <a:p>
+            <a:pPr marL="457200" indent="-457200" algn="l">
               <a:spcBef>
                 <a:spcPts val="0"/>
               </a:spcBef>
-              <a:spcAft>
-                <a:spcPts val="800"/>
-              </a:spcAft>
-              <a:buSzPts val="1000"/>
-              <a:buFont typeface="Symbol" panose="05050102010706020507" pitchFamily="18" charset="2"/>
-              <a:buChar char=""/>
-              <a:tabLst>
-                <a:tab pos="457200" algn="l"/>
-              </a:tabLst>
-            </a:pPr>
-            <a:r>
-              <a:rPr lang="en-US" sz="1600" dirty="0">
-                <a:latin typeface="Calibri" panose="020F0502020204030204" pitchFamily="34" charset="0"/>
-                <a:ea typeface="Calibri" panose="020F0502020204030204" pitchFamily="34" charset="0"/>
-                <a:cs typeface="Times New Roman" panose="02020603050405020304" pitchFamily="18" charset="0"/>
-              </a:rPr>
-              <a:t>Leave a little space at the bottom so that you can add your Scrum team name next class</a:t>
-            </a:r>
-          </a:p>
-          <a:p>
-            <a:pPr marL="342900" marR="0" lvl="0" indent="-342900">
-              <a:lnSpc>
-                <a:spcPct val="107000"/>
-              </a:lnSpc>
+              <a:buFont typeface="+mj-lt"/>
+              <a:buAutoNum type="arabicPeriod"/>
+            </a:pPr>
+            <a:r>
+              <a:rPr lang="en-US" sz="2000" dirty="0"/>
+              <a:t>Get the computer that you will be using for this class out</a:t>
+            </a:r>
+          </a:p>
+          <a:p>
+            <a:pPr marL="457200" indent="-457200" algn="l">
               <a:spcBef>
                 <a:spcPts val="0"/>
               </a:spcBef>
-              <a:spcAft>
-                <a:spcPts val="800"/>
-              </a:spcAft>
-              <a:buSzPts val="1000"/>
-              <a:buFont typeface="Symbol" panose="05050102010706020507" pitchFamily="18" charset="2"/>
-              <a:buChar char=""/>
-              <a:tabLst>
-                <a:tab pos="457200" algn="l"/>
-              </a:tabLst>
-            </a:pPr>
-            <a:r>
-              <a:rPr lang="en-US" sz="1600" dirty="0">
-                <a:latin typeface="Calibri" panose="020F0502020204030204" pitchFamily="34" charset="0"/>
-                <a:ea typeface="Calibri" panose="020F0502020204030204" pitchFamily="34" charset="0"/>
-                <a:cs typeface="Times New Roman" panose="02020603050405020304" pitchFamily="18" charset="0"/>
-              </a:rPr>
-              <a:t>Be ready to introduce yourself and to share an interesting fact about yourself</a:t>
-            </a:r>
-          </a:p>
-          <a:p>
-            <a:pPr marL="342900" marR="0" lvl="0" indent="-342900">
-              <a:lnSpc>
-                <a:spcPct val="107000"/>
-              </a:lnSpc>
-              <a:spcBef>
-                <a:spcPts val="0"/>
-              </a:spcBef>
-              <a:spcAft>
-                <a:spcPts val="800"/>
-              </a:spcAft>
-              <a:buSzPts val="1000"/>
-              <a:buFont typeface="Symbol" panose="05050102010706020507" pitchFamily="18" charset="2"/>
-              <a:buChar char=""/>
-              <a:tabLst>
-                <a:tab pos="457200" algn="l"/>
-              </a:tabLst>
-            </a:pPr>
-            <a:r>
-              <a:rPr lang="en-US" sz="1600" dirty="0">
-                <a:latin typeface="Calibri" panose="020F0502020204030204" pitchFamily="34" charset="0"/>
-                <a:ea typeface="Calibri" panose="020F0502020204030204" pitchFamily="34" charset="0"/>
-                <a:cs typeface="Times New Roman" panose="02020603050405020304" pitchFamily="18" charset="0"/>
-              </a:rPr>
-              <a:t>Anything else you would like to add</a:t>
-            </a:r>
-          </a:p>
-          <a:p>
-            <a:pPr marR="0" lvl="0">
-              <a:lnSpc>
-                <a:spcPct val="107000"/>
-              </a:lnSpc>
-              <a:spcBef>
-                <a:spcPts val="0"/>
-              </a:spcBef>
-              <a:spcAft>
-                <a:spcPts val="800"/>
-              </a:spcAft>
-              <a:buSzPts val="1000"/>
-              <a:tabLst>
-                <a:tab pos="457200" algn="l"/>
-              </a:tabLst>
-            </a:pPr>
-            <a:endParaRPr lang="en-US" sz="1600" dirty="0">
-              <a:latin typeface="Calibri" panose="020F0502020204030204" pitchFamily="34" charset="0"/>
-              <a:ea typeface="Calibri" panose="020F0502020204030204" pitchFamily="34" charset="0"/>
-              <a:cs typeface="Times New Roman" panose="02020603050405020304" pitchFamily="18" charset="0"/>
-            </a:endParaRPr>
+              <a:buFont typeface="+mj-lt"/>
+              <a:buAutoNum type="arabicPeriod"/>
+            </a:pPr>
+            <a:r>
+              <a:rPr lang="en-US" sz="2000" dirty="0"/>
+              <a:t>Register for Safari Books </a:t>
+            </a:r>
           </a:p>
         </p:txBody>
       </p:sp>
     </p:spTree>
     <p:extLst>
       <p:ext uri="{BB962C8B-B14F-4D97-AF65-F5344CB8AC3E}">
-        <p14:creationId xmlns:p14="http://schemas.microsoft.com/office/powerpoint/2010/main" val="2996138992"/>
+        <p14:creationId xmlns:p14="http://schemas.microsoft.com/office/powerpoint/2010/main" val="3340901311"/>
       </p:ext>
     </p:extLst>
   </p:cSld>
@@ -6446,44 +6182,388 @@
       </p:grpSpPr>
       <p:sp>
         <p:nvSpPr>
-          <p:cNvPr id="2" name="Title 1"/>
-          <p:cNvSpPr>
-            <a:spLocks noGrp="1"/>
-          </p:cNvSpPr>
-          <p:nvPr>
-            <p:ph type="ctrTitle"/>
+          <p:cNvPr id="3" name="Title 1">
+            <a:extLst>
+              <a:ext uri="{FF2B5EF4-FFF2-40B4-BE49-F238E27FC236}">
+                <a16:creationId xmlns:a16="http://schemas.microsoft.com/office/drawing/2014/main" id="{258F05B8-454B-41D3-8214-93C6A8B89841}"/>
+              </a:ext>
+            </a:extLst>
+          </p:cNvPr>
+          <p:cNvSpPr>
+            <a:spLocks noGrp="1"/>
+          </p:cNvSpPr>
+          <p:nvPr>
+            <p:ph type="title"/>
           </p:nvPr>
         </p:nvSpPr>
         <p:spPr>
           <a:xfrm>
-            <a:off x="654951" y="3025490"/>
-            <a:ext cx="10013049" cy="807019"/>
+            <a:off x="838200" y="474626"/>
+            <a:ext cx="10515600" cy="757272"/>
           </a:xfrm>
         </p:spPr>
         <p:txBody>
-          <a:bodyPr anchor="ctr">
-            <a:noAutofit/>
+          <a:bodyPr>
+            <a:normAutofit/>
           </a:bodyPr>
           <a:lstStyle/>
           <a:p>
             <a:r>
-              <a:rPr lang="en-US" sz="4800" dirty="0"/>
-              <a:t>Wrap-up and </a:t>
-            </a:r>
-            <a:br>
-              <a:rPr lang="en-US" sz="4800" dirty="0"/>
-            </a:br>
-            <a:r>
-              <a:rPr lang="en-US" sz="4800" dirty="0"/>
-              <a:t>Final Questions/Comments</a:t>
-            </a:r>
+              <a:rPr lang="en-US" sz="3600" dirty="0"/>
+              <a:t>Introductions – Name Cards plus Interesting Fact</a:t>
+            </a:r>
+            <a:endParaRPr lang="en-US" sz="3600" b="1" i="1" u="sng" dirty="0"/>
+          </a:p>
+        </p:txBody>
+      </p:sp>
+      <p:sp>
+        <p:nvSpPr>
+          <p:cNvPr id="2" name="Rectangle 1">
+            <a:extLst>
+              <a:ext uri="{FF2B5EF4-FFF2-40B4-BE49-F238E27FC236}">
+                <a16:creationId xmlns:a16="http://schemas.microsoft.com/office/drawing/2014/main" id="{0C326A31-5CBB-4F38-BF58-B6AFC533B019}"/>
+              </a:ext>
+            </a:extLst>
+          </p:cNvPr>
+          <p:cNvSpPr/>
+          <p:nvPr/>
+        </p:nvSpPr>
+        <p:spPr>
+          <a:xfrm>
+            <a:off x="1864929" y="1448636"/>
+            <a:ext cx="8462142" cy="4736810"/>
+          </a:xfrm>
+          <a:prstGeom prst="rect">
+            <a:avLst/>
+          </a:prstGeom>
+        </p:spPr>
+        <p:txBody>
+          <a:bodyPr wrap="square">
+            <a:spAutoFit/>
+          </a:bodyPr>
+          <a:lstStyle/>
+          <a:p>
+            <a:pPr>
+              <a:lnSpc>
+                <a:spcPct val="107000"/>
+              </a:lnSpc>
+              <a:spcAft>
+                <a:spcPts val="800"/>
+              </a:spcAft>
+            </a:pPr>
+            <a:r>
+              <a:rPr lang="en-US" sz="1600" dirty="0">
+                <a:latin typeface="Calibri" panose="020F0502020204030204" pitchFamily="34" charset="0"/>
+                <a:ea typeface="Calibri" panose="020F0502020204030204" pitchFamily="34" charset="0"/>
+                <a:cs typeface="Times New Roman" panose="02020603050405020304" pitchFamily="18" charset="0"/>
+              </a:rPr>
+              <a:t>Please fill out a name card…</a:t>
+            </a:r>
+          </a:p>
+          <a:p>
+            <a:pPr>
+              <a:lnSpc>
+                <a:spcPct val="107000"/>
+              </a:lnSpc>
+              <a:spcAft>
+                <a:spcPts val="800"/>
+              </a:spcAft>
+            </a:pPr>
+            <a:r>
+              <a:rPr lang="en-US" sz="1600" dirty="0">
+                <a:latin typeface="Calibri" panose="020F0502020204030204" pitchFamily="34" charset="0"/>
+                <a:ea typeface="Calibri" panose="020F0502020204030204" pitchFamily="34" charset="0"/>
+                <a:cs typeface="Times New Roman" panose="02020603050405020304" pitchFamily="18" charset="0"/>
+              </a:rPr>
+              <a:t>Include:</a:t>
+            </a:r>
+          </a:p>
+          <a:p>
+            <a:pPr marL="342900" marR="0" lvl="0" indent="-342900">
+              <a:lnSpc>
+                <a:spcPct val="107000"/>
+              </a:lnSpc>
+              <a:spcBef>
+                <a:spcPts val="0"/>
+              </a:spcBef>
+              <a:spcAft>
+                <a:spcPts val="800"/>
+              </a:spcAft>
+              <a:buSzPts val="1000"/>
+              <a:buFont typeface="Symbol" panose="05050102010706020507" pitchFamily="18" charset="2"/>
+              <a:buChar char=""/>
+              <a:tabLst>
+                <a:tab pos="457200" algn="l"/>
+              </a:tabLst>
+            </a:pPr>
+            <a:r>
+              <a:rPr lang="en-US" sz="1600" dirty="0">
+                <a:latin typeface="Calibri" panose="020F0502020204030204" pitchFamily="34" charset="0"/>
+                <a:ea typeface="Calibri" panose="020F0502020204030204" pitchFamily="34" charset="0"/>
+                <a:cs typeface="Times New Roman" panose="02020603050405020304" pitchFamily="18" charset="0"/>
+              </a:rPr>
+              <a:t>Preferred Name followed by Last Name</a:t>
+            </a:r>
+          </a:p>
+          <a:p>
+            <a:pPr marL="342900" marR="0" lvl="0" indent="-342900">
+              <a:lnSpc>
+                <a:spcPct val="107000"/>
+              </a:lnSpc>
+              <a:spcBef>
+                <a:spcPts val="0"/>
+              </a:spcBef>
+              <a:spcAft>
+                <a:spcPts val="800"/>
+              </a:spcAft>
+              <a:buSzPts val="1000"/>
+              <a:buFont typeface="Symbol" panose="05050102010706020507" pitchFamily="18" charset="2"/>
+              <a:buChar char=""/>
+              <a:tabLst>
+                <a:tab pos="457200" algn="l"/>
+              </a:tabLst>
+            </a:pPr>
+            <a:r>
+              <a:rPr lang="en-US" sz="1600" dirty="0">
+                <a:latin typeface="Calibri" panose="020F0502020204030204" pitchFamily="34" charset="0"/>
+                <a:ea typeface="Calibri" panose="020F0502020204030204" pitchFamily="34" charset="0"/>
+                <a:cs typeface="Times New Roman" panose="02020603050405020304" pitchFamily="18" charset="0"/>
+              </a:rPr>
+              <a:t>A score of 0 to 5 in the upper right hand corner to describe your programming experience with:</a:t>
+            </a:r>
+          </a:p>
+          <a:p>
+            <a:pPr marL="800100" lvl="1" indent="-342900">
+              <a:lnSpc>
+                <a:spcPct val="107000"/>
+              </a:lnSpc>
+              <a:spcAft>
+                <a:spcPts val="800"/>
+              </a:spcAft>
+              <a:buSzPts val="1000"/>
+              <a:buFont typeface="Symbol" panose="05050102010706020507" pitchFamily="18" charset="2"/>
+              <a:buChar char=""/>
+              <a:tabLst>
+                <a:tab pos="457200" algn="l"/>
+              </a:tabLst>
+            </a:pPr>
+            <a:r>
+              <a:rPr lang="en-US" sz="1600" dirty="0">
+                <a:latin typeface="Calibri" panose="020F0502020204030204" pitchFamily="34" charset="0"/>
+                <a:ea typeface="Calibri" panose="020F0502020204030204" pitchFamily="34" charset="0"/>
+                <a:cs typeface="Times New Roman" panose="02020603050405020304" pitchFamily="18" charset="0"/>
+              </a:rPr>
+              <a:t>0 being “I’ve never seen a line of code”</a:t>
+            </a:r>
+          </a:p>
+          <a:p>
+            <a:pPr marL="800100" lvl="1" indent="-342900">
+              <a:lnSpc>
+                <a:spcPct val="107000"/>
+              </a:lnSpc>
+              <a:spcAft>
+                <a:spcPts val="800"/>
+              </a:spcAft>
+              <a:buSzPts val="1000"/>
+              <a:buFont typeface="Symbol" panose="05050102010706020507" pitchFamily="18" charset="2"/>
+              <a:buChar char=""/>
+              <a:tabLst>
+                <a:tab pos="457200" algn="l"/>
+              </a:tabLst>
+            </a:pPr>
+            <a:r>
+              <a:rPr lang="en-US" sz="1600" dirty="0">
+                <a:latin typeface="Calibri" panose="020F0502020204030204" pitchFamily="34" charset="0"/>
+                <a:ea typeface="Calibri" panose="020F0502020204030204" pitchFamily="34" charset="0"/>
+                <a:cs typeface="Times New Roman" panose="02020603050405020304" pitchFamily="18" charset="0"/>
+              </a:rPr>
+              <a:t>1 being “This is my first college level programming class”</a:t>
+            </a:r>
+          </a:p>
+          <a:p>
+            <a:pPr marL="800100" lvl="1" indent="-342900">
+              <a:lnSpc>
+                <a:spcPct val="107000"/>
+              </a:lnSpc>
+              <a:spcAft>
+                <a:spcPts val="800"/>
+              </a:spcAft>
+              <a:buSzPts val="1000"/>
+              <a:buFont typeface="Symbol" panose="05050102010706020507" pitchFamily="18" charset="2"/>
+              <a:buChar char=""/>
+              <a:tabLst>
+                <a:tab pos="457200" algn="l"/>
+              </a:tabLst>
+            </a:pPr>
+            <a:r>
+              <a:rPr lang="en-US" sz="1600" dirty="0">
+                <a:latin typeface="Calibri" panose="020F0502020204030204" pitchFamily="34" charset="0"/>
+                <a:ea typeface="Calibri" panose="020F0502020204030204" pitchFamily="34" charset="0"/>
+                <a:cs typeface="Times New Roman" panose="02020603050405020304" pitchFamily="18" charset="0"/>
+              </a:rPr>
+              <a:t>3 being “I’ve had a couple of programming classes”</a:t>
+            </a:r>
+          </a:p>
+          <a:p>
+            <a:pPr marL="800100" lvl="1" indent="-342900">
+              <a:lnSpc>
+                <a:spcPct val="107000"/>
+              </a:lnSpc>
+              <a:spcAft>
+                <a:spcPts val="800"/>
+              </a:spcAft>
+              <a:buSzPts val="1000"/>
+              <a:buFont typeface="Symbol" panose="05050102010706020507" pitchFamily="18" charset="2"/>
+              <a:buChar char=""/>
+              <a:tabLst>
+                <a:tab pos="457200" algn="l"/>
+              </a:tabLst>
+            </a:pPr>
+            <a:r>
+              <a:rPr lang="en-US" sz="1600" dirty="0">
+                <a:latin typeface="Calibri" panose="020F0502020204030204" pitchFamily="34" charset="0"/>
+                <a:ea typeface="Calibri" panose="020F0502020204030204" pitchFamily="34" charset="0"/>
+                <a:cs typeface="Times New Roman" panose="02020603050405020304" pitchFamily="18" charset="0"/>
+              </a:rPr>
+              <a:t>5 being “I’m ready to graduate and get and entry level programming job”</a:t>
+            </a:r>
+          </a:p>
+          <a:p>
+            <a:pPr marL="342900" marR="0" lvl="0" indent="-342900">
+              <a:lnSpc>
+                <a:spcPct val="107000"/>
+              </a:lnSpc>
+              <a:spcBef>
+                <a:spcPts val="0"/>
+              </a:spcBef>
+              <a:spcAft>
+                <a:spcPts val="800"/>
+              </a:spcAft>
+              <a:buSzPts val="1000"/>
+              <a:buFont typeface="Symbol" panose="05050102010706020507" pitchFamily="18" charset="2"/>
+              <a:buChar char=""/>
+              <a:tabLst>
+                <a:tab pos="457200" algn="l"/>
+              </a:tabLst>
+            </a:pPr>
+            <a:r>
+              <a:rPr lang="en-US" sz="1600" dirty="0">
+                <a:latin typeface="Calibri" panose="020F0502020204030204" pitchFamily="34" charset="0"/>
+                <a:ea typeface="Calibri" panose="020F0502020204030204" pitchFamily="34" charset="0"/>
+                <a:cs typeface="Times New Roman" panose="02020603050405020304" pitchFamily="18" charset="0"/>
+              </a:rPr>
+              <a:t>Also place a “A” by the number if you are part of the aeronautical program </a:t>
+            </a:r>
+          </a:p>
+          <a:p>
+            <a:pPr marL="342900" marR="0" lvl="0" indent="-342900">
+              <a:lnSpc>
+                <a:spcPct val="107000"/>
+              </a:lnSpc>
+              <a:spcBef>
+                <a:spcPts val="0"/>
+              </a:spcBef>
+              <a:spcAft>
+                <a:spcPts val="800"/>
+              </a:spcAft>
+              <a:buSzPts val="1000"/>
+              <a:buFont typeface="Symbol" panose="05050102010706020507" pitchFamily="18" charset="2"/>
+              <a:buChar char=""/>
+              <a:tabLst>
+                <a:tab pos="457200" algn="l"/>
+              </a:tabLst>
+            </a:pPr>
+            <a:r>
+              <a:rPr lang="en-US" sz="1600" dirty="0">
+                <a:latin typeface="Calibri" panose="020F0502020204030204" pitchFamily="34" charset="0"/>
+                <a:ea typeface="Calibri" panose="020F0502020204030204" pitchFamily="34" charset="0"/>
+                <a:cs typeface="Times New Roman" panose="02020603050405020304" pitchFamily="18" charset="0"/>
+              </a:rPr>
+              <a:t>Leave a little space at the bottom so that you can add your Scrum team name next class</a:t>
+            </a:r>
+          </a:p>
+          <a:p>
+            <a:pPr marL="342900" marR="0" lvl="0" indent="-342900">
+              <a:lnSpc>
+                <a:spcPct val="107000"/>
+              </a:lnSpc>
+              <a:spcBef>
+                <a:spcPts val="0"/>
+              </a:spcBef>
+              <a:spcAft>
+                <a:spcPts val="800"/>
+              </a:spcAft>
+              <a:buSzPts val="1000"/>
+              <a:buFont typeface="Symbol" panose="05050102010706020507" pitchFamily="18" charset="2"/>
+              <a:buChar char=""/>
+              <a:tabLst>
+                <a:tab pos="457200" algn="l"/>
+              </a:tabLst>
+            </a:pPr>
+            <a:r>
+              <a:rPr lang="en-US" sz="1600" dirty="0">
+                <a:latin typeface="Calibri" panose="020F0502020204030204" pitchFamily="34" charset="0"/>
+                <a:ea typeface="Calibri" panose="020F0502020204030204" pitchFamily="34" charset="0"/>
+                <a:cs typeface="Times New Roman" panose="02020603050405020304" pitchFamily="18" charset="0"/>
+              </a:rPr>
+              <a:t>Be ready to introduce yourself and to share an interesting fact about yourself</a:t>
+            </a:r>
+          </a:p>
+          <a:p>
+            <a:pPr marL="342900" marR="0" lvl="0" indent="-342900">
+              <a:lnSpc>
+                <a:spcPct val="107000"/>
+              </a:lnSpc>
+              <a:spcBef>
+                <a:spcPts val="0"/>
+              </a:spcBef>
+              <a:spcAft>
+                <a:spcPts val="800"/>
+              </a:spcAft>
+              <a:buSzPts val="1000"/>
+              <a:buFont typeface="Symbol" panose="05050102010706020507" pitchFamily="18" charset="2"/>
+              <a:buChar char=""/>
+              <a:tabLst>
+                <a:tab pos="457200" algn="l"/>
+              </a:tabLst>
+            </a:pPr>
+            <a:r>
+              <a:rPr lang="en-US" sz="1600" dirty="0">
+                <a:latin typeface="Calibri" panose="020F0502020204030204" pitchFamily="34" charset="0"/>
+                <a:ea typeface="Calibri" panose="020F0502020204030204" pitchFamily="34" charset="0"/>
+                <a:cs typeface="Times New Roman" panose="02020603050405020304" pitchFamily="18" charset="0"/>
+              </a:rPr>
+              <a:t>Anything else you would like to add</a:t>
+            </a:r>
+          </a:p>
+          <a:p>
+            <a:pPr marR="0" lvl="0">
+              <a:lnSpc>
+                <a:spcPct val="107000"/>
+              </a:lnSpc>
+              <a:spcBef>
+                <a:spcPts val="0"/>
+              </a:spcBef>
+              <a:spcAft>
+                <a:spcPts val="800"/>
+              </a:spcAft>
+              <a:buSzPts val="1000"/>
+              <a:tabLst>
+                <a:tab pos="457200" algn="l"/>
+              </a:tabLst>
+            </a:pPr>
+            <a:endParaRPr lang="en-US" sz="1600" dirty="0">
+              <a:latin typeface="Calibri" panose="020F0502020204030204" pitchFamily="34" charset="0"/>
+              <a:ea typeface="Calibri" panose="020F0502020204030204" pitchFamily="34" charset="0"/>
+              <a:cs typeface="Times New Roman" panose="02020603050405020304" pitchFamily="18" charset="0"/>
+            </a:endParaRPr>
           </a:p>
         </p:txBody>
       </p:sp>
     </p:spTree>
     <p:extLst>
       <p:ext uri="{BB962C8B-B14F-4D97-AF65-F5344CB8AC3E}">
-        <p14:creationId xmlns:p14="http://schemas.microsoft.com/office/powerpoint/2010/main" val="1650477148"/>
+        <p14:creationId xmlns:p14="http://schemas.microsoft.com/office/powerpoint/2010/main" val="2996138992"/>
       </p:ext>
     </p:extLst>
   </p:cSld>
@@ -6512,116 +6592,44 @@
       </p:grpSpPr>
       <p:sp>
         <p:nvSpPr>
-          <p:cNvPr id="2" name="Title 1">
-            <a:extLst>
-              <a:ext uri="{FF2B5EF4-FFF2-40B4-BE49-F238E27FC236}">
-                <a16:creationId xmlns:a16="http://schemas.microsoft.com/office/drawing/2014/main" id="{2A5755BE-860E-40EB-ADA6-6E82BCB49EC3}"/>
-              </a:ext>
-            </a:extLst>
-          </p:cNvPr>
-          <p:cNvSpPr>
-            <a:spLocks noGrp="1"/>
-          </p:cNvSpPr>
-          <p:nvPr>
-            <p:ph type="title"/>
-          </p:nvPr>
-        </p:nvSpPr>
-        <p:spPr/>
-        <p:txBody>
-          <a:bodyPr/>
-          <a:lstStyle/>
-          <a:p>
-            <a:r>
-              <a:rPr lang="en-US" dirty="0"/>
-              <a:t>Assignment for Next Class</a:t>
-            </a:r>
-          </a:p>
-        </p:txBody>
-      </p:sp>
-      <p:sp>
-        <p:nvSpPr>
-          <p:cNvPr id="3" name="Content Placeholder 2">
-            <a:extLst>
-              <a:ext uri="{FF2B5EF4-FFF2-40B4-BE49-F238E27FC236}">
-                <a16:creationId xmlns:a16="http://schemas.microsoft.com/office/drawing/2014/main" id="{72EF5DE0-5958-4171-A9E3-3D288A31AC3F}"/>
-              </a:ext>
-            </a:extLst>
-          </p:cNvPr>
-          <p:cNvSpPr>
-            <a:spLocks noGrp="1"/>
-          </p:cNvSpPr>
-          <p:nvPr>
-            <p:ph idx="1"/>
+          <p:cNvPr id="2" name="Title 1"/>
+          <p:cNvSpPr>
+            <a:spLocks noGrp="1"/>
+          </p:cNvSpPr>
+          <p:nvPr>
+            <p:ph type="ctrTitle"/>
           </p:nvPr>
         </p:nvSpPr>
         <p:spPr>
           <a:xfrm>
-            <a:off x="838200" y="1654444"/>
-            <a:ext cx="10515600" cy="4522519"/>
+            <a:off x="654951" y="3025490"/>
+            <a:ext cx="10013049" cy="807019"/>
           </a:xfrm>
         </p:spPr>
         <p:txBody>
-          <a:bodyPr>
-            <a:normAutofit/>
+          <a:bodyPr anchor="ctr">
+            <a:noAutofit/>
           </a:bodyPr>
           <a:lstStyle/>
           <a:p>
-            <a:pPr marL="0" indent="0">
-              <a:buNone/>
-            </a:pPr>
-            <a:r>
-              <a:rPr lang="en-US" dirty="0"/>
-              <a:t>Complete Activity List items 1 through 8 before our next class and be prepared to discuss them </a:t>
-            </a:r>
-          </a:p>
-          <a:p>
-            <a:pPr marL="0" indent="0">
-              <a:buNone/>
-            </a:pPr>
-            <a:r>
-              <a:rPr lang="en-US" dirty="0"/>
-              <a:t> </a:t>
-            </a:r>
-          </a:p>
-          <a:p>
-            <a:pPr marL="0" indent="0">
-              <a:buNone/>
-            </a:pPr>
-            <a:r>
-              <a:rPr lang="en-US" dirty="0"/>
-              <a:t>Be ready to form Scrum teams that each have a mix of skill sets</a:t>
-            </a:r>
-          </a:p>
-          <a:p>
-            <a:pPr marL="0" indent="0">
-              <a:buNone/>
-            </a:pPr>
-            <a:endParaRPr lang="en-US" dirty="0"/>
-          </a:p>
-          <a:p>
-            <a:pPr marL="0" indent="0">
-              <a:buNone/>
-            </a:pPr>
-            <a:r>
-              <a:rPr lang="en-US" b="1" dirty="0"/>
-              <a:t>Take your name tags with you and bring them back to class through the end of Sprint 2</a:t>
-            </a:r>
-          </a:p>
-          <a:p>
-            <a:pPr marL="0" indent="0">
-              <a:buNone/>
-            </a:pPr>
-            <a:endParaRPr lang="en-US" sz="1800" dirty="0"/>
-          </a:p>
-          <a:p>
-            <a:endParaRPr lang="en-US" dirty="0"/>
+            <a:r>
+              <a:rPr lang="en-US" sz="4800" dirty="0"/>
+              <a:t>Wrap-up and </a:t>
+            </a:r>
+            <a:br>
+              <a:rPr lang="en-US" sz="4800" dirty="0"/>
+            </a:br>
+            <a:r>
+              <a:rPr lang="en-US" sz="4800" dirty="0"/>
+              <a:t>Final Questions/Comments</a:t>
+            </a:r>
           </a:p>
         </p:txBody>
       </p:sp>
     </p:spTree>
     <p:extLst>
       <p:ext uri="{BB962C8B-B14F-4D97-AF65-F5344CB8AC3E}">
-        <p14:creationId xmlns:p14="http://schemas.microsoft.com/office/powerpoint/2010/main" val="3934992363"/>
+        <p14:creationId xmlns:p14="http://schemas.microsoft.com/office/powerpoint/2010/main" val="1650477148"/>
       </p:ext>
     </p:extLst>
   </p:cSld>

--- a/lecture-slides/2019-08-26.pptx
+++ b/lecture-slides/2019-08-26.pptx
@@ -17,9 +17,9 @@
     <p:sldId id="261" r:id="rId8"/>
     <p:sldId id="262" r:id="rId9"/>
     <p:sldId id="264" r:id="rId10"/>
-    <p:sldId id="311" r:id="rId11"/>
-    <p:sldId id="505" r:id="rId12"/>
-    <p:sldId id="318" r:id="rId13"/>
+    <p:sldId id="318" r:id="rId11"/>
+    <p:sldId id="311" r:id="rId12"/>
+    <p:sldId id="505" r:id="rId13"/>
     <p:sldId id="313" r:id="rId14"/>
     <p:sldId id="307" r:id="rId15"/>
     <p:sldId id="315" r:id="rId16"/>
@@ -213,7 +213,7 @@
           <a:p>
             <a:fld id="{A677DEB0-5AA4-49C7-B0AD-AD047A002C4C}" type="datetimeFigureOut">
               <a:rPr lang="en-US" smtClean="0"/>
-              <a:t>8/25/19</a:t>
+              <a:t>8/26/2019</a:t>
             </a:fld>
             <a:endParaRPr lang="en-US"/>
           </a:p>
@@ -629,7 +629,7 @@
           <a:p>
             <a:fld id="{23B99BB9-C7F6-43B3-A122-46088ABB36FB}" type="slidenum">
               <a:rPr lang="en-US" smtClean="0"/>
-              <a:t>11</a:t>
+              <a:t>12</a:t>
             </a:fld>
             <a:endParaRPr lang="en-US"/>
           </a:p>
@@ -1860,7 +1860,7 @@
           <a:p>
             <a:fld id="{5394DE12-7B9B-46AA-AC19-C30A49928B9B}" type="slidenum">
               <a:rPr lang="en-US" smtClean="0"/>
-              <a:t>10</a:t>
+              <a:t>11</a:t>
             </a:fld>
             <a:endParaRPr lang="en-US" dirty="0"/>
           </a:p>
@@ -2026,7 +2026,7 @@
           <a:p>
             <a:fld id="{1B52E0E1-344B-4E26-B5AD-CE86AB802485}" type="datetimeFigureOut">
               <a:rPr lang="en-US" smtClean="0"/>
-              <a:t>8/25/19</a:t>
+              <a:t>8/26/2019</a:t>
             </a:fld>
             <a:endParaRPr lang="en-US"/>
           </a:p>
@@ -2224,7 +2224,7 @@
           <a:p>
             <a:fld id="{1B52E0E1-344B-4E26-B5AD-CE86AB802485}" type="datetimeFigureOut">
               <a:rPr lang="en-US" smtClean="0"/>
-              <a:t>8/25/19</a:t>
+              <a:t>8/26/2019</a:t>
             </a:fld>
             <a:endParaRPr lang="en-US"/>
           </a:p>
@@ -2432,7 +2432,7 @@
           <a:p>
             <a:fld id="{1B52E0E1-344B-4E26-B5AD-CE86AB802485}" type="datetimeFigureOut">
               <a:rPr lang="en-US" smtClean="0"/>
-              <a:t>8/25/19</a:t>
+              <a:t>8/26/2019</a:t>
             </a:fld>
             <a:endParaRPr lang="en-US"/>
           </a:p>
@@ -2630,7 +2630,7 @@
           <a:p>
             <a:fld id="{1B52E0E1-344B-4E26-B5AD-CE86AB802485}" type="datetimeFigureOut">
               <a:rPr lang="en-US" smtClean="0"/>
-              <a:t>8/25/19</a:t>
+              <a:t>8/26/2019</a:t>
             </a:fld>
             <a:endParaRPr lang="en-US"/>
           </a:p>
@@ -2905,7 +2905,7 @@
           <a:p>
             <a:fld id="{1B52E0E1-344B-4E26-B5AD-CE86AB802485}" type="datetimeFigureOut">
               <a:rPr lang="en-US" smtClean="0"/>
-              <a:t>8/25/19</a:t>
+              <a:t>8/26/2019</a:t>
             </a:fld>
             <a:endParaRPr lang="en-US"/>
           </a:p>
@@ -3170,7 +3170,7 @@
           <a:p>
             <a:fld id="{1B52E0E1-344B-4E26-B5AD-CE86AB802485}" type="datetimeFigureOut">
               <a:rPr lang="en-US" smtClean="0"/>
-              <a:t>8/25/19</a:t>
+              <a:t>8/26/2019</a:t>
             </a:fld>
             <a:endParaRPr lang="en-US"/>
           </a:p>
@@ -3582,7 +3582,7 @@
           <a:p>
             <a:fld id="{1B52E0E1-344B-4E26-B5AD-CE86AB802485}" type="datetimeFigureOut">
               <a:rPr lang="en-US" smtClean="0"/>
-              <a:t>8/25/19</a:t>
+              <a:t>8/26/2019</a:t>
             </a:fld>
             <a:endParaRPr lang="en-US"/>
           </a:p>
@@ -3723,7 +3723,7 @@
           <a:p>
             <a:fld id="{1B52E0E1-344B-4E26-B5AD-CE86AB802485}" type="datetimeFigureOut">
               <a:rPr lang="en-US" smtClean="0"/>
-              <a:t>8/25/19</a:t>
+              <a:t>8/26/2019</a:t>
             </a:fld>
             <a:endParaRPr lang="en-US"/>
           </a:p>
@@ -3836,7 +3836,7 @@
           <a:p>
             <a:fld id="{1B52E0E1-344B-4E26-B5AD-CE86AB802485}" type="datetimeFigureOut">
               <a:rPr lang="en-US" smtClean="0"/>
-              <a:t>8/25/19</a:t>
+              <a:t>8/26/2019</a:t>
             </a:fld>
             <a:endParaRPr lang="en-US"/>
           </a:p>
@@ -4147,7 +4147,7 @@
           <a:p>
             <a:fld id="{1B52E0E1-344B-4E26-B5AD-CE86AB802485}" type="datetimeFigureOut">
               <a:rPr lang="en-US" smtClean="0"/>
-              <a:t>8/25/19</a:t>
+              <a:t>8/26/2019</a:t>
             </a:fld>
             <a:endParaRPr lang="en-US"/>
           </a:p>
@@ -4435,7 +4435,7 @@
           <a:p>
             <a:fld id="{1B52E0E1-344B-4E26-B5AD-CE86AB802485}" type="datetimeFigureOut">
               <a:rPr lang="en-US" smtClean="0"/>
-              <a:t>8/25/19</a:t>
+              <a:t>8/26/2019</a:t>
             </a:fld>
             <a:endParaRPr lang="en-US"/>
           </a:p>
@@ -4676,7 +4676,7 @@
           <a:p>
             <a:fld id="{1B52E0E1-344B-4E26-B5AD-CE86AB802485}" type="datetimeFigureOut">
               <a:rPr lang="en-US" smtClean="0"/>
-              <a:t>8/25/19</a:t>
+              <a:t>8/26/2019</a:t>
             </a:fld>
             <a:endParaRPr lang="en-US"/>
           </a:p>
@@ -5166,7 +5166,7 @@
         </p:spPr>
         <p:txBody>
           <a:bodyPr>
-            <a:normAutofit lnSpcReduction="10000"/>
+            <a:normAutofit fontScale="92500" lnSpcReduction="10000"/>
           </a:bodyPr>
           <a:lstStyle/>
           <a:p>
@@ -5224,6 +5224,16 @@
             <a:r>
               <a:rPr lang="en-US" sz="2200" dirty="0"/>
               <a:t>Review Course Syllabus</a:t>
+            </a:r>
+          </a:p>
+          <a:p>
+            <a:pPr marL="457200" indent="-457200">
+              <a:buFont typeface="+mj-lt"/>
+              <a:buAutoNum type="arabicPeriod"/>
+            </a:pPr>
+            <a:r>
+              <a:rPr lang="en-US" sz="2200" dirty="0"/>
+              <a:t>Assignments for Next Class</a:t>
             </a:r>
           </a:p>
           <a:p>
@@ -5364,44 +5374,116 @@
       </p:grpSpPr>
       <p:sp>
         <p:nvSpPr>
-          <p:cNvPr id="2" name="Title 1"/>
-          <p:cNvSpPr>
-            <a:spLocks noGrp="1"/>
-          </p:cNvSpPr>
-          <p:nvPr>
-            <p:ph type="ctrTitle"/>
+          <p:cNvPr id="2" name="Title 1">
+            <a:extLst>
+              <a:ext uri="{FF2B5EF4-FFF2-40B4-BE49-F238E27FC236}">
+                <a16:creationId xmlns:a16="http://schemas.microsoft.com/office/drawing/2014/main" id="{2A5755BE-860E-40EB-ADA6-6E82BCB49EC3}"/>
+              </a:ext>
+            </a:extLst>
+          </p:cNvPr>
+          <p:cNvSpPr>
+            <a:spLocks noGrp="1"/>
+          </p:cNvSpPr>
+          <p:nvPr>
+            <p:ph type="title"/>
+          </p:nvPr>
+        </p:nvSpPr>
+        <p:spPr/>
+        <p:txBody>
+          <a:bodyPr/>
+          <a:lstStyle/>
+          <a:p>
+            <a:r>
+              <a:rPr lang="en-US" dirty="0"/>
+              <a:t>Assignment for Next Class</a:t>
+            </a:r>
+          </a:p>
+        </p:txBody>
+      </p:sp>
+      <p:sp>
+        <p:nvSpPr>
+          <p:cNvPr id="3" name="Content Placeholder 2">
+            <a:extLst>
+              <a:ext uri="{FF2B5EF4-FFF2-40B4-BE49-F238E27FC236}">
+                <a16:creationId xmlns:a16="http://schemas.microsoft.com/office/drawing/2014/main" id="{72EF5DE0-5958-4171-A9E3-3D288A31AC3F}"/>
+              </a:ext>
+            </a:extLst>
+          </p:cNvPr>
+          <p:cNvSpPr>
+            <a:spLocks noGrp="1"/>
+          </p:cNvSpPr>
+          <p:nvPr>
+            <p:ph idx="1"/>
           </p:nvPr>
         </p:nvSpPr>
         <p:spPr>
           <a:xfrm>
-            <a:off x="1524000" y="3025490"/>
-            <a:ext cx="9144000" cy="807019"/>
+            <a:off x="838200" y="1654444"/>
+            <a:ext cx="10515600" cy="4522519"/>
           </a:xfrm>
         </p:spPr>
         <p:txBody>
-          <a:bodyPr anchor="ctr">
-            <a:normAutofit fontScale="90000"/>
+          <a:bodyPr>
+            <a:normAutofit/>
           </a:bodyPr>
           <a:lstStyle/>
           <a:p>
-            <a:r>
-              <a:rPr lang="en-US" sz="4800" dirty="0"/>
-              <a:t>Weeks 1&amp;2 / Sprint 1</a:t>
-            </a:r>
-            <a:br>
-              <a:rPr lang="en-US" sz="4800" dirty="0"/>
-            </a:br>
-            <a:r>
-              <a:rPr lang="en-US" sz="4800" dirty="0"/>
-              <a:t>Activities List &amp; Assignments</a:t>
-            </a:r>
+            <a:pPr marL="0" indent="0">
+              <a:buNone/>
+            </a:pPr>
+            <a:r>
+              <a:rPr lang="en-US" dirty="0"/>
+              <a:t>Complete Activity List items 1 through 8 before our next class and be prepared to discuss them </a:t>
+            </a:r>
+          </a:p>
+          <a:p>
+            <a:pPr marL="0" indent="0">
+              <a:buNone/>
+            </a:pPr>
+            <a:r>
+              <a:rPr lang="en-US" dirty="0"/>
+              <a:t> </a:t>
+            </a:r>
+          </a:p>
+          <a:p>
+            <a:pPr marL="0" indent="0">
+              <a:buNone/>
+            </a:pPr>
+            <a:r>
+              <a:rPr lang="en-US" dirty="0"/>
+              <a:t>Be ready to form Scrum teams that each have a mix of skill sets during our next lab/lecture session</a:t>
+            </a:r>
+          </a:p>
+          <a:p>
+            <a:pPr marL="0" indent="0">
+              <a:buNone/>
+            </a:pPr>
+            <a:endParaRPr lang="en-US" dirty="0"/>
+          </a:p>
+          <a:p>
+            <a:pPr marL="0" indent="0">
+              <a:buNone/>
+            </a:pPr>
+            <a:r>
+              <a:rPr lang="en-US" b="1" dirty="0"/>
+              <a:t>Take your name tags with you and bring them back to class through the end of Sprint 2</a:t>
+            </a:r>
+          </a:p>
+          <a:p>
+            <a:pPr marL="0" indent="0">
+              <a:buNone/>
+            </a:pPr>
+            <a:endParaRPr lang="en-US" sz="1800" dirty="0"/>
+          </a:p>
+          <a:p>
+            <a:endParaRPr lang="en-US" dirty="0"/>
           </a:p>
         </p:txBody>
       </p:sp>
     </p:spTree>
     <p:extLst>
       <p:ext uri="{BB962C8B-B14F-4D97-AF65-F5344CB8AC3E}">
-        <p14:creationId xmlns:p14="http://schemas.microsoft.com/office/powerpoint/2010/main" val="2589612038"/>
+        <p14:creationId xmlns:p14="http://schemas.microsoft.com/office/powerpoint/2010/main" val="3934992363"/>
       </p:ext>
     </p:extLst>
   </p:cSld>
@@ -5430,277 +5512,44 @@
       </p:grpSpPr>
       <p:sp>
         <p:nvSpPr>
-          <p:cNvPr id="2" name="Title 1">
-            <a:extLst>
-              <a:ext uri="{FF2B5EF4-FFF2-40B4-BE49-F238E27FC236}">
-                <a16:creationId xmlns:a16="http://schemas.microsoft.com/office/drawing/2014/main" id="{4D446405-6F1F-4926-B387-B75245C2FB0C}"/>
-              </a:ext>
-            </a:extLst>
-          </p:cNvPr>
-          <p:cNvSpPr>
-            <a:spLocks noGrp="1"/>
-          </p:cNvSpPr>
-          <p:nvPr>
-            <p:ph type="title"/>
+          <p:cNvPr id="2" name="Title 1"/>
+          <p:cNvSpPr>
+            <a:spLocks noGrp="1"/>
+          </p:cNvSpPr>
+          <p:nvPr>
+            <p:ph type="ctrTitle"/>
           </p:nvPr>
         </p:nvSpPr>
         <p:spPr>
           <a:xfrm>
-            <a:off x="838200" y="365125"/>
-            <a:ext cx="7268155" cy="1325563"/>
+            <a:off x="1524000" y="3025490"/>
+            <a:ext cx="9144000" cy="807019"/>
           </a:xfrm>
         </p:spPr>
         <p:txBody>
-          <a:bodyPr>
-            <a:normAutofit/>
+          <a:bodyPr anchor="ctr">
+            <a:normAutofit fontScale="90000"/>
           </a:bodyPr>
           <a:lstStyle/>
           <a:p>
             <a:r>
-              <a:rPr lang="en-US" sz="3600" dirty="0"/>
-              <a:t>Object-Oriented Programming</a:t>
+              <a:rPr lang="en-US" sz="4800" dirty="0"/>
+              <a:t>Weeks 1&amp;2 / Sprint 1</a:t>
             </a:r>
             <a:br>
-              <a:rPr lang="en-US" dirty="0"/>
+              <a:rPr lang="en-US" sz="4800" dirty="0"/>
             </a:br>
             <a:r>
-              <a:rPr lang="en-US" sz="1800" dirty="0"/>
-              <a:t>Discussion, Lecture, &amp; Lab</a:t>
-            </a:r>
-            <a:br>
-              <a:rPr lang="en-US" sz="1800" dirty="0"/>
-            </a:br>
-            <a:r>
-              <a:rPr lang="en-US" sz="1800" dirty="0"/>
-              <a:t>Eric Pogue</a:t>
-            </a:r>
-          </a:p>
-        </p:txBody>
-      </p:sp>
-      <p:sp>
-        <p:nvSpPr>
-          <p:cNvPr id="3" name="Content Placeholder 2">
-            <a:extLst>
-              <a:ext uri="{FF2B5EF4-FFF2-40B4-BE49-F238E27FC236}">
-                <a16:creationId xmlns:a16="http://schemas.microsoft.com/office/drawing/2014/main" id="{ADD45C4B-998D-4D36-AE39-52AB024AB508}"/>
-              </a:ext>
-            </a:extLst>
-          </p:cNvPr>
-          <p:cNvSpPr>
-            <a:spLocks noGrp="1"/>
-          </p:cNvSpPr>
-          <p:nvPr>
-            <p:ph idx="1"/>
-          </p:nvPr>
-        </p:nvSpPr>
-        <p:spPr>
-          <a:xfrm>
-            <a:off x="838200" y="1739348"/>
-            <a:ext cx="10515600" cy="4437615"/>
-          </a:xfrm>
-        </p:spPr>
-        <p:txBody>
-          <a:bodyPr>
-            <a:normAutofit lnSpcReduction="10000"/>
-          </a:bodyPr>
-          <a:lstStyle/>
-          <a:p>
-            <a:pPr marL="0" indent="0">
-              <a:buNone/>
-            </a:pPr>
-            <a:r>
-              <a:rPr lang="en-US" sz="2200" dirty="0"/>
-              <a:t>Agenda for Monday, August 26</a:t>
-            </a:r>
-            <a:r>
-              <a:rPr lang="en-US" sz="2200" baseline="30000" dirty="0"/>
-              <a:t>th</a:t>
-            </a:r>
-            <a:r>
-              <a:rPr lang="en-US" sz="2200" dirty="0"/>
-              <a:t> from 2 to 2:50pm CST:</a:t>
-            </a:r>
-          </a:p>
-          <a:p>
-            <a:pPr marL="457200" indent="-457200">
-              <a:buFont typeface="+mj-lt"/>
-              <a:buAutoNum type="arabicPeriod"/>
-            </a:pPr>
-            <a:r>
-              <a:rPr lang="en-US" sz="2200" dirty="0">
-                <a:solidFill>
-                  <a:schemeClr val="bg1">
-                    <a:lumMod val="50000"/>
-                  </a:schemeClr>
-                </a:solidFill>
-              </a:rPr>
-              <a:t>Welcome!</a:t>
-            </a:r>
-          </a:p>
-          <a:p>
-            <a:pPr marL="457200" indent="-457200">
-              <a:buFont typeface="+mj-lt"/>
-              <a:buAutoNum type="arabicPeriod"/>
-            </a:pPr>
-            <a:r>
-              <a:rPr lang="en-US" sz="2200" dirty="0">
-                <a:solidFill>
-                  <a:schemeClr val="bg1">
-                    <a:lumMod val="50000"/>
-                  </a:schemeClr>
-                </a:solidFill>
-              </a:rPr>
-              <a:t>Friendly Conversation Topic… let’s make sure that everyone can hear and speak</a:t>
-            </a:r>
-          </a:p>
-          <a:p>
-            <a:pPr marL="457200" indent="-457200">
-              <a:buFont typeface="+mj-lt"/>
-              <a:buAutoNum type="arabicPeriod"/>
-            </a:pPr>
-            <a:r>
-              <a:rPr lang="en-US" sz="2200" dirty="0">
-                <a:solidFill>
-                  <a:schemeClr val="bg1">
-                    <a:lumMod val="50000"/>
-                  </a:schemeClr>
-                </a:solidFill>
-              </a:rPr>
-              <a:t>Introductions*</a:t>
-            </a:r>
-          </a:p>
-          <a:p>
-            <a:pPr marL="457200" indent="-457200">
-              <a:buFont typeface="+mj-lt"/>
-              <a:buAutoNum type="arabicPeriod"/>
-            </a:pPr>
-            <a:r>
-              <a:rPr lang="en-US" sz="2200" dirty="0">
-                <a:solidFill>
-                  <a:schemeClr val="bg1">
-                    <a:lumMod val="50000"/>
-                  </a:schemeClr>
-                </a:solidFill>
-              </a:rPr>
-              <a:t>Review Course Syllabus</a:t>
-            </a:r>
-          </a:p>
-          <a:p>
-            <a:pPr marL="457200" indent="-457200">
-              <a:buFont typeface="+mj-lt"/>
-              <a:buAutoNum type="arabicPeriod"/>
-            </a:pPr>
-            <a:r>
-              <a:rPr lang="en-US" sz="2200" dirty="0">
-                <a:solidFill>
-                  <a:schemeClr val="bg1">
-                    <a:lumMod val="50000"/>
-                  </a:schemeClr>
-                </a:solidFill>
-              </a:rPr>
-              <a:t>Review Week 1 / Sprint 1 Activities &amp; Assignments</a:t>
-            </a:r>
-          </a:p>
-          <a:p>
-            <a:pPr marL="457200" indent="-457200">
-              <a:buFont typeface="+mj-lt"/>
-              <a:buAutoNum type="arabicPeriod"/>
-            </a:pPr>
-            <a:r>
-              <a:rPr lang="en-US" sz="2200" dirty="0"/>
-              <a:t>Lab… starting no later than 2:35</a:t>
-            </a:r>
-          </a:p>
-          <a:p>
-            <a:pPr marL="457200" indent="-457200">
-              <a:buFont typeface="+mj-lt"/>
-              <a:buAutoNum type="arabicPeriod"/>
-            </a:pPr>
-            <a:r>
-              <a:rPr lang="en-US" sz="2200" dirty="0"/>
-              <a:t>Wrap-up and Final Questions/Comments?</a:t>
-            </a:r>
-          </a:p>
-          <a:p>
-            <a:pPr marL="0" indent="0">
-              <a:buNone/>
-            </a:pPr>
-            <a:endParaRPr lang="en-US" sz="2200" dirty="0"/>
-          </a:p>
-          <a:p>
-            <a:pPr marL="0" indent="0">
-              <a:buNone/>
-            </a:pPr>
-            <a:r>
-              <a:rPr lang="en-US" sz="2200" dirty="0"/>
-              <a:t>Discussion &amp; Questions welcome at any time… please be present with no phones or email during our time together</a:t>
-            </a:r>
-            <a:endParaRPr lang="en-US" sz="2000" dirty="0"/>
-          </a:p>
-          <a:p>
-            <a:pPr marL="457200" indent="-457200">
-              <a:buFont typeface="+mj-lt"/>
-              <a:buAutoNum type="arabicPeriod"/>
-            </a:pPr>
-            <a:endParaRPr lang="en-US" sz="2000" dirty="0"/>
-          </a:p>
-          <a:p>
-            <a:pPr marL="457200" indent="-457200">
-              <a:buFont typeface="+mj-lt"/>
-              <a:buAutoNum type="arabicPeriod"/>
-            </a:pPr>
-            <a:endParaRPr lang="en-US" sz="2000" dirty="0"/>
-          </a:p>
-          <a:p>
-            <a:pPr marL="457200" indent="-457200">
-              <a:buFont typeface="+mj-lt"/>
-              <a:buAutoNum type="arabicPeriod"/>
-            </a:pPr>
-            <a:endParaRPr lang="en-US" sz="2000" dirty="0"/>
-          </a:p>
-          <a:p>
-            <a:pPr marL="457200" indent="-457200">
-              <a:buFont typeface="+mj-lt"/>
-              <a:buAutoNum type="arabicPeriod"/>
-            </a:pPr>
-            <a:endParaRPr lang="en-US" sz="2000" dirty="0"/>
-          </a:p>
-        </p:txBody>
-      </p:sp>
-      <p:pic>
-        <p:nvPicPr>
-          <p:cNvPr id="4" name="Content Placeholder 4">
-            <a:extLst>
-              <a:ext uri="{FF2B5EF4-FFF2-40B4-BE49-F238E27FC236}">
-                <a16:creationId xmlns:a16="http://schemas.microsoft.com/office/drawing/2014/main" id="{4EDCD7D6-DA50-40A6-870F-1D890F732171}"/>
-              </a:ext>
-            </a:extLst>
-          </p:cNvPr>
-          <p:cNvPicPr>
-            <a:picLocks noChangeAspect="1"/>
-          </p:cNvPicPr>
-          <p:nvPr/>
-        </p:nvPicPr>
-        <p:blipFill>
-          <a:blip r:embed="rId3"/>
-          <a:stretch>
-            <a:fillRect/>
-          </a:stretch>
-        </p:blipFill>
-        <p:spPr>
-          <a:xfrm>
-            <a:off x="8942905" y="156030"/>
-            <a:ext cx="2656367" cy="1366321"/>
-          </a:xfrm>
-          <a:prstGeom prst="rect">
-            <a:avLst/>
-          </a:prstGeom>
-        </p:spPr>
-      </p:pic>
+              <a:rPr lang="en-US" sz="4800" dirty="0"/>
+              <a:t>Activities List &amp; Assignments</a:t>
+            </a:r>
+          </a:p>
+        </p:txBody>
+      </p:sp>
     </p:spTree>
     <p:extLst>
       <p:ext uri="{BB962C8B-B14F-4D97-AF65-F5344CB8AC3E}">
-        <p14:creationId xmlns:p14="http://schemas.microsoft.com/office/powerpoint/2010/main" val="1341053493"/>
+        <p14:creationId xmlns:p14="http://schemas.microsoft.com/office/powerpoint/2010/main" val="2589612038"/>
       </p:ext>
     </p:extLst>
   </p:cSld>
@@ -5732,7 +5581,7 @@
           <p:cNvPr id="2" name="Title 1">
             <a:extLst>
               <a:ext uri="{FF2B5EF4-FFF2-40B4-BE49-F238E27FC236}">
-                <a16:creationId xmlns:a16="http://schemas.microsoft.com/office/drawing/2014/main" id="{2A5755BE-860E-40EB-ADA6-6E82BCB49EC3}"/>
+                <a16:creationId xmlns:a16="http://schemas.microsoft.com/office/drawing/2014/main" id="{4D446405-6F1F-4926-B387-B75245C2FB0C}"/>
               </a:ext>
             </a:extLst>
           </p:cNvPr>
@@ -5741,40 +5590,12 @@
           </p:cNvSpPr>
           <p:nvPr>
             <p:ph type="title"/>
-          </p:nvPr>
-        </p:nvSpPr>
-        <p:spPr/>
-        <p:txBody>
-          <a:bodyPr/>
-          <a:lstStyle/>
-          <a:p>
-            <a:r>
-              <a:rPr lang="en-US" dirty="0"/>
-              <a:t>Assignment for Next Class</a:t>
-            </a:r>
-          </a:p>
-        </p:txBody>
-      </p:sp>
-      <p:sp>
-        <p:nvSpPr>
-          <p:cNvPr id="3" name="Content Placeholder 2">
-            <a:extLst>
-              <a:ext uri="{FF2B5EF4-FFF2-40B4-BE49-F238E27FC236}">
-                <a16:creationId xmlns:a16="http://schemas.microsoft.com/office/drawing/2014/main" id="{72EF5DE0-5958-4171-A9E3-3D288A31AC3F}"/>
-              </a:ext>
-            </a:extLst>
-          </p:cNvPr>
-          <p:cNvSpPr>
-            <a:spLocks noGrp="1"/>
-          </p:cNvSpPr>
-          <p:nvPr>
-            <p:ph idx="1"/>
           </p:nvPr>
         </p:nvSpPr>
         <p:spPr>
           <a:xfrm>
-            <a:off x="838200" y="1654444"/>
-            <a:ext cx="10515600" cy="4522519"/>
+            <a:off x="838200" y="365125"/>
+            <a:ext cx="7268155" cy="1325563"/>
           </a:xfrm>
         </p:spPr>
         <p:txBody>
@@ -5783,62 +5604,267 @@
           </a:bodyPr>
           <a:lstStyle/>
           <a:p>
+            <a:r>
+              <a:rPr lang="en-US" sz="3600" dirty="0"/>
+              <a:t>Object-Oriented Programming</a:t>
+            </a:r>
+            <a:br>
+              <a:rPr lang="en-US" dirty="0"/>
+            </a:br>
+            <a:r>
+              <a:rPr lang="en-US" sz="1800" dirty="0"/>
+              <a:t>Discussion, Lecture, &amp; Lab</a:t>
+            </a:r>
+            <a:br>
+              <a:rPr lang="en-US" sz="1800" dirty="0"/>
+            </a:br>
+            <a:r>
+              <a:rPr lang="en-US" sz="1800" dirty="0"/>
+              <a:t>Eric Pogue</a:t>
+            </a:r>
+          </a:p>
+        </p:txBody>
+      </p:sp>
+      <p:sp>
+        <p:nvSpPr>
+          <p:cNvPr id="3" name="Content Placeholder 2">
+            <a:extLst>
+              <a:ext uri="{FF2B5EF4-FFF2-40B4-BE49-F238E27FC236}">
+                <a16:creationId xmlns:a16="http://schemas.microsoft.com/office/drawing/2014/main" id="{ADD45C4B-998D-4D36-AE39-52AB024AB508}"/>
+              </a:ext>
+            </a:extLst>
+          </p:cNvPr>
+          <p:cNvSpPr>
+            <a:spLocks noGrp="1"/>
+          </p:cNvSpPr>
+          <p:nvPr>
+            <p:ph idx="1"/>
+          </p:nvPr>
+        </p:nvSpPr>
+        <p:spPr>
+          <a:xfrm>
+            <a:off x="838200" y="1739348"/>
+            <a:ext cx="10515600" cy="4437615"/>
+          </a:xfrm>
+        </p:spPr>
+        <p:txBody>
+          <a:bodyPr>
+            <a:normAutofit fontScale="92500" lnSpcReduction="10000"/>
+          </a:bodyPr>
+          <a:lstStyle/>
+          <a:p>
             <a:pPr marL="0" indent="0">
               <a:buNone/>
             </a:pPr>
             <a:r>
-              <a:rPr lang="en-US" dirty="0"/>
-              <a:t>Complete Activity List items 1 through 8 before our next class and be prepared to discuss them </a:t>
+              <a:rPr lang="en-US" sz="2200" dirty="0"/>
+              <a:t>Agenda for Monday, August 26</a:t>
+            </a:r>
+            <a:r>
+              <a:rPr lang="en-US" sz="2200" baseline="30000" dirty="0"/>
+              <a:t>th</a:t>
+            </a:r>
+            <a:r>
+              <a:rPr lang="en-US" sz="2200" dirty="0"/>
+              <a:t> from 2 to 2:50pm CST:</a:t>
+            </a:r>
+          </a:p>
+          <a:p>
+            <a:pPr marL="457200" indent="-457200">
+              <a:buFont typeface="+mj-lt"/>
+              <a:buAutoNum type="arabicPeriod"/>
+            </a:pPr>
+            <a:r>
+              <a:rPr lang="en-US" sz="2200" dirty="0">
+                <a:solidFill>
+                  <a:schemeClr val="bg1">
+                    <a:lumMod val="50000"/>
+                  </a:schemeClr>
+                </a:solidFill>
+              </a:rPr>
+              <a:t>Welcome!</a:t>
+            </a:r>
+          </a:p>
+          <a:p>
+            <a:pPr marL="457200" indent="-457200">
+              <a:buFont typeface="+mj-lt"/>
+              <a:buAutoNum type="arabicPeriod"/>
+            </a:pPr>
+            <a:r>
+              <a:rPr lang="en-US" sz="2200" dirty="0">
+                <a:solidFill>
+                  <a:schemeClr val="bg1">
+                    <a:lumMod val="50000"/>
+                  </a:schemeClr>
+                </a:solidFill>
+              </a:rPr>
+              <a:t>Friendly Conversation Topic… let’s make sure that everyone can hear and speak</a:t>
+            </a:r>
+          </a:p>
+          <a:p>
+            <a:pPr marL="457200" indent="-457200">
+              <a:buFont typeface="+mj-lt"/>
+              <a:buAutoNum type="arabicPeriod"/>
+            </a:pPr>
+            <a:r>
+              <a:rPr lang="en-US" sz="2200" dirty="0">
+                <a:solidFill>
+                  <a:schemeClr val="bg1">
+                    <a:lumMod val="50000"/>
+                  </a:schemeClr>
+                </a:solidFill>
+              </a:rPr>
+              <a:t>Introductions*</a:t>
+            </a:r>
+          </a:p>
+          <a:p>
+            <a:pPr marL="457200" indent="-457200">
+              <a:buFont typeface="+mj-lt"/>
+              <a:buAutoNum type="arabicPeriod"/>
+            </a:pPr>
+            <a:r>
+              <a:rPr lang="en-US" sz="2200" dirty="0">
+                <a:solidFill>
+                  <a:schemeClr val="bg1">
+                    <a:lumMod val="50000"/>
+                  </a:schemeClr>
+                </a:solidFill>
+              </a:rPr>
+              <a:t>Review Course Syllabus</a:t>
+            </a:r>
+          </a:p>
+          <a:p>
+            <a:pPr marL="457200" indent="-457200">
+              <a:buFont typeface="+mj-lt"/>
+              <a:buAutoNum type="arabicPeriod"/>
+            </a:pPr>
+            <a:r>
+              <a:rPr lang="en-US" sz="2200" dirty="0">
+                <a:solidFill>
+                  <a:schemeClr val="bg1">
+                    <a:lumMod val="50000"/>
+                  </a:schemeClr>
+                </a:solidFill>
+              </a:rPr>
+              <a:t>Assignments for Next Class</a:t>
+            </a:r>
+          </a:p>
+          <a:p>
+            <a:pPr marL="457200" indent="-457200">
+              <a:buFont typeface="+mj-lt"/>
+              <a:buAutoNum type="arabicPeriod"/>
+            </a:pPr>
+            <a:r>
+              <a:rPr lang="en-US" sz="2200" dirty="0">
+                <a:solidFill>
+                  <a:schemeClr val="bg1">
+                    <a:lumMod val="50000"/>
+                  </a:schemeClr>
+                </a:solidFill>
+              </a:rPr>
+              <a:t>Review Week 1 / Sprint 1 Activities &amp; Assignments</a:t>
+            </a:r>
+          </a:p>
+          <a:p>
+            <a:pPr marL="457200" indent="-457200">
+              <a:buFont typeface="+mj-lt"/>
+              <a:buAutoNum type="arabicPeriod"/>
+            </a:pPr>
+            <a:r>
+              <a:rPr lang="en-US" sz="2200" dirty="0"/>
+              <a:t>Lab… starting no later than 2:35</a:t>
+            </a:r>
+          </a:p>
+          <a:p>
+            <a:pPr marL="457200" indent="-457200">
+              <a:buFont typeface="+mj-lt"/>
+              <a:buAutoNum type="arabicPeriod"/>
+            </a:pPr>
+            <a:r>
+              <a:rPr lang="en-US" sz="2200" dirty="0"/>
+              <a:t>Wrap-up and Final Questions/Comments?</a:t>
             </a:r>
           </a:p>
           <a:p>
             <a:pPr marL="0" indent="0">
               <a:buNone/>
             </a:pPr>
-            <a:r>
-              <a:rPr lang="en-US" dirty="0"/>
-              <a:t> </a:t>
-            </a:r>
+            <a:endParaRPr lang="en-US" sz="2200" dirty="0"/>
           </a:p>
           <a:p>
             <a:pPr marL="0" indent="0">
               <a:buNone/>
             </a:pPr>
             <a:r>
-              <a:rPr lang="en-US" dirty="0"/>
-              <a:t>Be ready to form Scrum teams that each have a mix of skill sets during our next lab/lecture session</a:t>
-            </a:r>
-          </a:p>
-          <a:p>
-            <a:pPr marL="0" indent="0">
-              <a:buNone/>
-            </a:pPr>
-            <a:endParaRPr lang="en-US" dirty="0"/>
-          </a:p>
-          <a:p>
-            <a:pPr marL="0" indent="0">
-              <a:buNone/>
-            </a:pPr>
-            <a:r>
-              <a:rPr lang="en-US" b="1" dirty="0"/>
-              <a:t>Take your name tags with you and bring them back to class through the end of Sprint 2</a:t>
-            </a:r>
-          </a:p>
-          <a:p>
-            <a:pPr marL="0" indent="0">
-              <a:buNone/>
-            </a:pPr>
-            <a:endParaRPr lang="en-US" sz="1800" dirty="0"/>
-          </a:p>
-          <a:p>
-            <a:endParaRPr lang="en-US" dirty="0"/>
-          </a:p>
-        </p:txBody>
-      </p:sp>
+              <a:rPr lang="en-US" sz="2200" dirty="0"/>
+              <a:t>Discussion &amp; Questions welcome at any time… please be present with no phones or email during our time together</a:t>
+            </a:r>
+            <a:endParaRPr lang="en-US" sz="2000" dirty="0"/>
+          </a:p>
+          <a:p>
+            <a:pPr marL="457200" indent="-457200">
+              <a:buFont typeface="+mj-lt"/>
+              <a:buAutoNum type="arabicPeriod"/>
+            </a:pPr>
+            <a:endParaRPr lang="en-US" sz="2000" dirty="0"/>
+          </a:p>
+          <a:p>
+            <a:pPr marL="457200" indent="-457200">
+              <a:buFont typeface="+mj-lt"/>
+              <a:buAutoNum type="arabicPeriod"/>
+            </a:pPr>
+            <a:endParaRPr lang="en-US" sz="2000" dirty="0"/>
+          </a:p>
+          <a:p>
+            <a:pPr marL="457200" indent="-457200">
+              <a:buFont typeface="+mj-lt"/>
+              <a:buAutoNum type="arabicPeriod"/>
+            </a:pPr>
+            <a:endParaRPr lang="en-US" sz="2000" dirty="0"/>
+          </a:p>
+          <a:p>
+            <a:pPr marL="457200" indent="-457200">
+              <a:buFont typeface="+mj-lt"/>
+              <a:buAutoNum type="arabicPeriod"/>
+            </a:pPr>
+            <a:endParaRPr lang="en-US" sz="2000" dirty="0"/>
+          </a:p>
+        </p:txBody>
+      </p:sp>
+      <p:pic>
+        <p:nvPicPr>
+          <p:cNvPr id="4" name="Content Placeholder 4">
+            <a:extLst>
+              <a:ext uri="{FF2B5EF4-FFF2-40B4-BE49-F238E27FC236}">
+                <a16:creationId xmlns:a16="http://schemas.microsoft.com/office/drawing/2014/main" id="{4EDCD7D6-DA50-40A6-870F-1D890F732171}"/>
+              </a:ext>
+            </a:extLst>
+          </p:cNvPr>
+          <p:cNvPicPr>
+            <a:picLocks noChangeAspect="1"/>
+          </p:cNvPicPr>
+          <p:nvPr/>
+        </p:nvPicPr>
+        <p:blipFill>
+          <a:blip r:embed="rId3"/>
+          <a:stretch>
+            <a:fillRect/>
+          </a:stretch>
+        </p:blipFill>
+        <p:spPr>
+          <a:xfrm>
+            <a:off x="8942905" y="156030"/>
+            <a:ext cx="2656367" cy="1366321"/>
+          </a:xfrm>
+          <a:prstGeom prst="rect">
+            <a:avLst/>
+          </a:prstGeom>
+        </p:spPr>
+      </p:pic>
     </p:spTree>
     <p:extLst>
       <p:ext uri="{BB962C8B-B14F-4D97-AF65-F5344CB8AC3E}">
-        <p14:creationId xmlns:p14="http://schemas.microsoft.com/office/powerpoint/2010/main" val="3934992363"/>
+        <p14:creationId xmlns:p14="http://schemas.microsoft.com/office/powerpoint/2010/main" val="1341053493"/>
       </p:ext>
     </p:extLst>
   </p:cSld>
@@ -6981,7 +7007,7 @@
             </a:pPr>
             <a:r>
               <a:rPr lang="en-US" sz="2000" dirty="0"/>
-              <a:t>	MWF 2-3:50pm CST</a:t>
+              <a:t>	MWF 2-2:50pm CST</a:t>
             </a:r>
           </a:p>
           <a:p>
@@ -7686,7 +7712,7 @@
                 <a:ea typeface="Calibri" panose="020F0502020204030204" pitchFamily="34" charset="0"/>
                 <a:cs typeface="Times New Roman" panose="02020603050405020304" pitchFamily="18" charset="0"/>
               </a:rPr>
-              <a:t>A score of 0 to 5 in the upper right hand corner to describe your programming experience with:</a:t>
+              <a:t>A score of 0 to 5 in the upper right-hand corner to describe your programming experience with:</a:t>
             </a:r>
           </a:p>
           <a:p>
@@ -8522,7 +8548,7 @@
             </a:r>
             <a:r>
               <a:rPr lang="en-US" sz="2000" b="1" dirty="0"/>
-              <a:t>Personal Laptop, Windows 10, Chrome browser, and Visual Studio Code text editor </a:t>
+              <a:t>Personal Laptop, Windows 10 (moving to MacOS), Chrome browser, and Visual Studio Code text editor </a:t>
             </a:r>
           </a:p>
           <a:p>
